--- a/genic-non-genic.pptx
+++ b/genic-non-genic.pptx
@@ -4,6 +4,9 @@
   <p:sldMasterIdLst>
     <p:sldMasterId id="2147483648" r:id="rId1"/>
   </p:sldMasterIdLst>
+  <p:notesMasterIdLst>
+    <p:notesMasterId r:id="rId16"/>
+  </p:notesMasterIdLst>
   <p:sldIdLst>
     <p:sldId id="256" r:id="rId2"/>
     <p:sldId id="257" r:id="rId3"/>
@@ -15,6 +18,10 @@
     <p:sldId id="263" r:id="rId9"/>
     <p:sldId id="264" r:id="rId10"/>
     <p:sldId id="265" r:id="rId11"/>
+    <p:sldId id="267" r:id="rId12"/>
+    <p:sldId id="269" r:id="rId13"/>
+    <p:sldId id="266" r:id="rId14"/>
+    <p:sldId id="268" r:id="rId15"/>
   </p:sldIdLst>
   <p:sldSz cx="12192000" cy="6858000"/>
   <p:notesSz cx="6858000" cy="9144000"/>
@@ -114,6 +121,439 @@
     </a:lvl9pPr>
   </p:defaultTextStyle>
 </p:presentation>
+</file>
+
+<file path=ppt/notesMasters/notesMaster1.xml><?xml version="1.0" encoding="utf-8"?>
+<p:notesMaster xmlns:a="http://schemas.openxmlformats.org/drawingml/2006/main" xmlns:r="http://schemas.openxmlformats.org/officeDocument/2006/relationships" xmlns:p="http://schemas.openxmlformats.org/presentationml/2006/main">
+  <p:cSld>
+    <p:bg>
+      <p:bgRef idx="1001">
+        <a:schemeClr val="bg1"/>
+      </p:bgRef>
+    </p:bg>
+    <p:spTree>
+      <p:nvGrpSpPr>
+        <p:cNvPr id="1" name=""/>
+        <p:cNvGrpSpPr/>
+        <p:nvPr/>
+      </p:nvGrpSpPr>
+      <p:grpSpPr>
+        <a:xfrm>
+          <a:off x="0" y="0"/>
+          <a:ext cx="0" cy="0"/>
+          <a:chOff x="0" y="0"/>
+          <a:chExt cx="0" cy="0"/>
+        </a:xfrm>
+      </p:grpSpPr>
+      <p:sp>
+        <p:nvSpPr>
+          <p:cNvPr id="2" name="Header Placeholder 1"/>
+          <p:cNvSpPr>
+            <a:spLocks noGrp="1"/>
+          </p:cNvSpPr>
+          <p:nvPr>
+            <p:ph type="hdr" sz="quarter"/>
+          </p:nvPr>
+        </p:nvSpPr>
+        <p:spPr>
+          <a:xfrm>
+            <a:off x="0" y="0"/>
+            <a:ext cx="2971800" cy="458788"/>
+          </a:xfrm>
+          <a:prstGeom prst="rect">
+            <a:avLst/>
+          </a:prstGeom>
+        </p:spPr>
+        <p:txBody>
+          <a:bodyPr vert="horz" lIns="91440" tIns="45720" rIns="91440" bIns="45720" rtlCol="0"/>
+          <a:lstStyle>
+            <a:lvl1pPr algn="l">
+              <a:defRPr sz="1200"/>
+            </a:lvl1pPr>
+          </a:lstStyle>
+          <a:p>
+            <a:endParaRPr lang="en-US"/>
+          </a:p>
+        </p:txBody>
+      </p:sp>
+      <p:sp>
+        <p:nvSpPr>
+          <p:cNvPr id="3" name="Date Placeholder 2"/>
+          <p:cNvSpPr>
+            <a:spLocks noGrp="1"/>
+          </p:cNvSpPr>
+          <p:nvPr>
+            <p:ph type="dt" idx="1"/>
+          </p:nvPr>
+        </p:nvSpPr>
+        <p:spPr>
+          <a:xfrm>
+            <a:off x="3884613" y="0"/>
+            <a:ext cx="2971800" cy="458788"/>
+          </a:xfrm>
+          <a:prstGeom prst="rect">
+            <a:avLst/>
+          </a:prstGeom>
+        </p:spPr>
+        <p:txBody>
+          <a:bodyPr vert="horz" lIns="91440" tIns="45720" rIns="91440" bIns="45720" rtlCol="0"/>
+          <a:lstStyle>
+            <a:lvl1pPr algn="r">
+              <a:defRPr sz="1200"/>
+            </a:lvl1pPr>
+          </a:lstStyle>
+          <a:p>
+            <a:fld id="{92A9655C-BABF-6644-9F33-5B791CE1EFE1}" type="datetimeFigureOut">
+              <a:rPr lang="en-US" smtClean="0"/>
+              <a:t>7/21/21</a:t>
+            </a:fld>
+            <a:endParaRPr lang="en-US"/>
+          </a:p>
+        </p:txBody>
+      </p:sp>
+      <p:sp>
+        <p:nvSpPr>
+          <p:cNvPr id="4" name="Slide Image Placeholder 3"/>
+          <p:cNvSpPr>
+            <a:spLocks noGrp="1" noRot="1" noChangeAspect="1"/>
+          </p:cNvSpPr>
+          <p:nvPr>
+            <p:ph type="sldImg" idx="2"/>
+          </p:nvPr>
+        </p:nvSpPr>
+        <p:spPr>
+          <a:xfrm>
+            <a:off x="685800" y="1143000"/>
+            <a:ext cx="5486400" cy="3086100"/>
+          </a:xfrm>
+          <a:prstGeom prst="rect">
+            <a:avLst/>
+          </a:prstGeom>
+          <a:noFill/>
+          <a:ln w="12700">
+            <a:solidFill>
+              <a:prstClr val="black"/>
+            </a:solidFill>
+          </a:ln>
+        </p:spPr>
+        <p:txBody>
+          <a:bodyPr vert="horz" lIns="91440" tIns="45720" rIns="91440" bIns="45720" rtlCol="0" anchor="ctr"/>
+          <a:lstStyle/>
+          <a:p>
+            <a:endParaRPr lang="en-US"/>
+          </a:p>
+        </p:txBody>
+      </p:sp>
+      <p:sp>
+        <p:nvSpPr>
+          <p:cNvPr id="5" name="Notes Placeholder 4"/>
+          <p:cNvSpPr>
+            <a:spLocks noGrp="1"/>
+          </p:cNvSpPr>
+          <p:nvPr>
+            <p:ph type="body" sz="quarter" idx="3"/>
+          </p:nvPr>
+        </p:nvSpPr>
+        <p:spPr>
+          <a:xfrm>
+            <a:off x="685800" y="4400550"/>
+            <a:ext cx="5486400" cy="3600450"/>
+          </a:xfrm>
+          <a:prstGeom prst="rect">
+            <a:avLst/>
+          </a:prstGeom>
+        </p:spPr>
+        <p:txBody>
+          <a:bodyPr vert="horz" lIns="91440" tIns="45720" rIns="91440" bIns="45720" rtlCol="0"/>
+          <a:lstStyle/>
+          <a:p>
+            <a:pPr lvl="0"/>
+            <a:r>
+              <a:rPr lang="en-US"/>
+              <a:t>Edit Master text styles</a:t>
+            </a:r>
+          </a:p>
+          <a:p>
+            <a:pPr lvl="1"/>
+            <a:r>
+              <a:rPr lang="en-US"/>
+              <a:t>Second level</a:t>
+            </a:r>
+          </a:p>
+          <a:p>
+            <a:pPr lvl="2"/>
+            <a:r>
+              <a:rPr lang="en-US"/>
+              <a:t>Third level</a:t>
+            </a:r>
+          </a:p>
+          <a:p>
+            <a:pPr lvl="3"/>
+            <a:r>
+              <a:rPr lang="en-US"/>
+              <a:t>Fourth level</a:t>
+            </a:r>
+          </a:p>
+          <a:p>
+            <a:pPr lvl="4"/>
+            <a:r>
+              <a:rPr lang="en-US"/>
+              <a:t>Fifth level</a:t>
+            </a:r>
+          </a:p>
+        </p:txBody>
+      </p:sp>
+      <p:sp>
+        <p:nvSpPr>
+          <p:cNvPr id="6" name="Footer Placeholder 5"/>
+          <p:cNvSpPr>
+            <a:spLocks noGrp="1"/>
+          </p:cNvSpPr>
+          <p:nvPr>
+            <p:ph type="ftr" sz="quarter" idx="4"/>
+          </p:nvPr>
+        </p:nvSpPr>
+        <p:spPr>
+          <a:xfrm>
+            <a:off x="0" y="8685213"/>
+            <a:ext cx="2971800" cy="458787"/>
+          </a:xfrm>
+          <a:prstGeom prst="rect">
+            <a:avLst/>
+          </a:prstGeom>
+        </p:spPr>
+        <p:txBody>
+          <a:bodyPr vert="horz" lIns="91440" tIns="45720" rIns="91440" bIns="45720" rtlCol="0" anchor="b"/>
+          <a:lstStyle>
+            <a:lvl1pPr algn="l">
+              <a:defRPr sz="1200"/>
+            </a:lvl1pPr>
+          </a:lstStyle>
+          <a:p>
+            <a:endParaRPr lang="en-US"/>
+          </a:p>
+        </p:txBody>
+      </p:sp>
+      <p:sp>
+        <p:nvSpPr>
+          <p:cNvPr id="7" name="Slide Number Placeholder 6"/>
+          <p:cNvSpPr>
+            <a:spLocks noGrp="1"/>
+          </p:cNvSpPr>
+          <p:nvPr>
+            <p:ph type="sldNum" sz="quarter" idx="5"/>
+          </p:nvPr>
+        </p:nvSpPr>
+        <p:spPr>
+          <a:xfrm>
+            <a:off x="3884613" y="8685213"/>
+            <a:ext cx="2971800" cy="458787"/>
+          </a:xfrm>
+          <a:prstGeom prst="rect">
+            <a:avLst/>
+          </a:prstGeom>
+        </p:spPr>
+        <p:txBody>
+          <a:bodyPr vert="horz" lIns="91440" tIns="45720" rIns="91440" bIns="45720" rtlCol="0" anchor="b"/>
+          <a:lstStyle>
+            <a:lvl1pPr algn="r">
+              <a:defRPr sz="1200"/>
+            </a:lvl1pPr>
+          </a:lstStyle>
+          <a:p>
+            <a:fld id="{7331275E-9480-FB4F-8B56-78BA84A14429}" type="slidenum">
+              <a:rPr lang="en-US" smtClean="0"/>
+              <a:t>‹#›</a:t>
+            </a:fld>
+            <a:endParaRPr lang="en-US"/>
+          </a:p>
+        </p:txBody>
+      </p:sp>
+    </p:spTree>
+    <p:extLst>
+      <p:ext uri="{BB962C8B-B14F-4D97-AF65-F5344CB8AC3E}">
+        <p14:creationId xmlns:p14="http://schemas.microsoft.com/office/powerpoint/2010/main" val="3021235652"/>
+      </p:ext>
+    </p:extLst>
+  </p:cSld>
+  <p:clrMap bg1="lt1" tx1="dk1" bg2="lt2" tx2="dk2" accent1="accent1" accent2="accent2" accent3="accent3" accent4="accent4" accent5="accent5" accent6="accent6" hlink="hlink" folHlink="folHlink"/>
+  <p:notesStyle>
+    <a:lvl1pPr marL="0" algn="l" defTabSz="914400" rtl="0" eaLnBrk="1" latinLnBrk="0" hangingPunct="1">
+      <a:defRPr sz="1200" kern="1200">
+        <a:solidFill>
+          <a:schemeClr val="tx1"/>
+        </a:solidFill>
+        <a:latin typeface="+mn-lt"/>
+        <a:ea typeface="+mn-ea"/>
+        <a:cs typeface="+mn-cs"/>
+      </a:defRPr>
+    </a:lvl1pPr>
+    <a:lvl2pPr marL="457200" algn="l" defTabSz="914400" rtl="0" eaLnBrk="1" latinLnBrk="0" hangingPunct="1">
+      <a:defRPr sz="1200" kern="1200">
+        <a:solidFill>
+          <a:schemeClr val="tx1"/>
+        </a:solidFill>
+        <a:latin typeface="+mn-lt"/>
+        <a:ea typeface="+mn-ea"/>
+        <a:cs typeface="+mn-cs"/>
+      </a:defRPr>
+    </a:lvl2pPr>
+    <a:lvl3pPr marL="914400" algn="l" defTabSz="914400" rtl="0" eaLnBrk="1" latinLnBrk="0" hangingPunct="1">
+      <a:defRPr sz="1200" kern="1200">
+        <a:solidFill>
+          <a:schemeClr val="tx1"/>
+        </a:solidFill>
+        <a:latin typeface="+mn-lt"/>
+        <a:ea typeface="+mn-ea"/>
+        <a:cs typeface="+mn-cs"/>
+      </a:defRPr>
+    </a:lvl3pPr>
+    <a:lvl4pPr marL="1371600" algn="l" defTabSz="914400" rtl="0" eaLnBrk="1" latinLnBrk="0" hangingPunct="1">
+      <a:defRPr sz="1200" kern="1200">
+        <a:solidFill>
+          <a:schemeClr val="tx1"/>
+        </a:solidFill>
+        <a:latin typeface="+mn-lt"/>
+        <a:ea typeface="+mn-ea"/>
+        <a:cs typeface="+mn-cs"/>
+      </a:defRPr>
+    </a:lvl4pPr>
+    <a:lvl5pPr marL="1828800" algn="l" defTabSz="914400" rtl="0" eaLnBrk="1" latinLnBrk="0" hangingPunct="1">
+      <a:defRPr sz="1200" kern="1200">
+        <a:solidFill>
+          <a:schemeClr val="tx1"/>
+        </a:solidFill>
+        <a:latin typeface="+mn-lt"/>
+        <a:ea typeface="+mn-ea"/>
+        <a:cs typeface="+mn-cs"/>
+      </a:defRPr>
+    </a:lvl5pPr>
+    <a:lvl6pPr marL="2286000" algn="l" defTabSz="914400" rtl="0" eaLnBrk="1" latinLnBrk="0" hangingPunct="1">
+      <a:defRPr sz="1200" kern="1200">
+        <a:solidFill>
+          <a:schemeClr val="tx1"/>
+        </a:solidFill>
+        <a:latin typeface="+mn-lt"/>
+        <a:ea typeface="+mn-ea"/>
+        <a:cs typeface="+mn-cs"/>
+      </a:defRPr>
+    </a:lvl6pPr>
+    <a:lvl7pPr marL="2743200" algn="l" defTabSz="914400" rtl="0" eaLnBrk="1" latinLnBrk="0" hangingPunct="1">
+      <a:defRPr sz="1200" kern="1200">
+        <a:solidFill>
+          <a:schemeClr val="tx1"/>
+        </a:solidFill>
+        <a:latin typeface="+mn-lt"/>
+        <a:ea typeface="+mn-ea"/>
+        <a:cs typeface="+mn-cs"/>
+      </a:defRPr>
+    </a:lvl7pPr>
+    <a:lvl8pPr marL="3200400" algn="l" defTabSz="914400" rtl="0" eaLnBrk="1" latinLnBrk="0" hangingPunct="1">
+      <a:defRPr sz="1200" kern="1200">
+        <a:solidFill>
+          <a:schemeClr val="tx1"/>
+        </a:solidFill>
+        <a:latin typeface="+mn-lt"/>
+        <a:ea typeface="+mn-ea"/>
+        <a:cs typeface="+mn-cs"/>
+      </a:defRPr>
+    </a:lvl8pPr>
+    <a:lvl9pPr marL="3657600" algn="l" defTabSz="914400" rtl="0" eaLnBrk="1" latinLnBrk="0" hangingPunct="1">
+      <a:defRPr sz="1200" kern="1200">
+        <a:solidFill>
+          <a:schemeClr val="tx1"/>
+        </a:solidFill>
+        <a:latin typeface="+mn-lt"/>
+        <a:ea typeface="+mn-ea"/>
+        <a:cs typeface="+mn-cs"/>
+      </a:defRPr>
+    </a:lvl9pPr>
+  </p:notesStyle>
+</p:notesMaster>
+</file>
+
+<file path=ppt/notesSlides/notesSlide1.xml><?xml version="1.0" encoding="utf-8"?>
+<p:notes xmlns:a="http://schemas.openxmlformats.org/drawingml/2006/main" xmlns:r="http://schemas.openxmlformats.org/officeDocument/2006/relationships" xmlns:p="http://schemas.openxmlformats.org/presentationml/2006/main">
+  <p:cSld>
+    <p:spTree>
+      <p:nvGrpSpPr>
+        <p:cNvPr id="1" name=""/>
+        <p:cNvGrpSpPr/>
+        <p:nvPr/>
+      </p:nvGrpSpPr>
+      <p:grpSpPr>
+        <a:xfrm>
+          <a:off x="0" y="0"/>
+          <a:ext cx="0" cy="0"/>
+          <a:chOff x="0" y="0"/>
+          <a:chExt cx="0" cy="0"/>
+        </a:xfrm>
+      </p:grpSpPr>
+      <p:sp>
+        <p:nvSpPr>
+          <p:cNvPr id="2" name="Slide Image Placeholder 1"/>
+          <p:cNvSpPr>
+            <a:spLocks noGrp="1" noRot="1" noChangeAspect="1"/>
+          </p:cNvSpPr>
+          <p:nvPr>
+            <p:ph type="sldImg"/>
+          </p:nvPr>
+        </p:nvSpPr>
+        <p:spPr/>
+      </p:sp>
+      <p:sp>
+        <p:nvSpPr>
+          <p:cNvPr id="3" name="Notes Placeholder 2"/>
+          <p:cNvSpPr>
+            <a:spLocks noGrp="1"/>
+          </p:cNvSpPr>
+          <p:nvPr>
+            <p:ph type="body" idx="1"/>
+          </p:nvPr>
+        </p:nvSpPr>
+        <p:spPr/>
+        <p:txBody>
+          <a:bodyPr/>
+          <a:lstStyle/>
+          <a:p>
+            <a:endParaRPr lang="en-US" dirty="0"/>
+          </a:p>
+        </p:txBody>
+      </p:sp>
+      <p:sp>
+        <p:nvSpPr>
+          <p:cNvPr id="4" name="Slide Number Placeholder 3"/>
+          <p:cNvSpPr>
+            <a:spLocks noGrp="1"/>
+          </p:cNvSpPr>
+          <p:nvPr>
+            <p:ph type="sldNum" sz="quarter" idx="10"/>
+          </p:nvPr>
+        </p:nvSpPr>
+        <p:spPr/>
+        <p:txBody>
+          <a:bodyPr/>
+          <a:lstStyle/>
+          <a:p>
+            <a:fld id="{7331275E-9480-FB4F-8B56-78BA84A14429}" type="slidenum">
+              <a:rPr lang="en-US" smtClean="0"/>
+              <a:t>7</a:t>
+            </a:fld>
+            <a:endParaRPr lang="en-US"/>
+          </a:p>
+        </p:txBody>
+      </p:sp>
+    </p:spTree>
+    <p:extLst>
+      <p:ext uri="{BB962C8B-B14F-4D97-AF65-F5344CB8AC3E}">
+        <p14:creationId xmlns:p14="http://schemas.microsoft.com/office/powerpoint/2010/main" val="3292294611"/>
+      </p:ext>
+    </p:extLst>
+  </p:cSld>
+  <p:clrMapOvr>
+    <a:masterClrMapping/>
+  </p:clrMapOvr>
+</p:notes>
 </file>
 
 <file path=ppt/slideLayouts/slideLayout1.xml><?xml version="1.0" encoding="utf-8"?>
@@ -3503,6 +3943,359 @@
 </p:sld>
 </file>
 
+<file path=ppt/slides/slide11.xml><?xml version="1.0" encoding="utf-8"?>
+<p:sld xmlns:a="http://schemas.openxmlformats.org/drawingml/2006/main" xmlns:r="http://schemas.openxmlformats.org/officeDocument/2006/relationships" xmlns:p="http://schemas.openxmlformats.org/presentationml/2006/main">
+  <p:cSld>
+    <p:spTree>
+      <p:nvGrpSpPr>
+        <p:cNvPr id="1" name=""/>
+        <p:cNvGrpSpPr/>
+        <p:nvPr/>
+      </p:nvGrpSpPr>
+      <p:grpSpPr>
+        <a:xfrm>
+          <a:off x="0" y="0"/>
+          <a:ext cx="0" cy="0"/>
+          <a:chOff x="0" y="0"/>
+          <a:chExt cx="0" cy="0"/>
+        </a:xfrm>
+      </p:grpSpPr>
+      <p:sp>
+        <p:nvSpPr>
+          <p:cNvPr id="2" name="Title 1">
+            <a:extLst>
+              <a:ext uri="{FF2B5EF4-FFF2-40B4-BE49-F238E27FC236}">
+                <a16:creationId xmlns:a16="http://schemas.microsoft.com/office/drawing/2014/main" id="{7BA354E6-B319-6446-A1A6-1FE6208F5277}"/>
+              </a:ext>
+            </a:extLst>
+          </p:cNvPr>
+          <p:cNvSpPr>
+            <a:spLocks noGrp="1"/>
+          </p:cNvSpPr>
+          <p:nvPr>
+            <p:ph type="title"/>
+          </p:nvPr>
+        </p:nvSpPr>
+        <p:spPr/>
+        <p:txBody>
+          <a:bodyPr/>
+          <a:lstStyle/>
+          <a:p>
+            <a:r>
+              <a:rPr lang="en-US" dirty="0"/>
+              <a:t>Read Count Distributions </a:t>
+            </a:r>
+          </a:p>
+        </p:txBody>
+      </p:sp>
+      <p:sp>
+        <p:nvSpPr>
+          <p:cNvPr id="3" name="Text Placeholder 2">
+            <a:extLst>
+              <a:ext uri="{FF2B5EF4-FFF2-40B4-BE49-F238E27FC236}">
+                <a16:creationId xmlns:a16="http://schemas.microsoft.com/office/drawing/2014/main" id="{DF506379-F888-1946-B882-6A63DA05D67A}"/>
+              </a:ext>
+            </a:extLst>
+          </p:cNvPr>
+          <p:cNvSpPr>
+            <a:spLocks noGrp="1"/>
+          </p:cNvSpPr>
+          <p:nvPr>
+            <p:ph type="body" idx="1"/>
+          </p:nvPr>
+        </p:nvSpPr>
+        <p:spPr/>
+        <p:txBody>
+          <a:bodyPr/>
+          <a:lstStyle/>
+          <a:p>
+            <a:endParaRPr lang="en-US"/>
+          </a:p>
+        </p:txBody>
+      </p:sp>
+    </p:spTree>
+    <p:extLst>
+      <p:ext uri="{BB962C8B-B14F-4D97-AF65-F5344CB8AC3E}">
+        <p14:creationId xmlns:p14="http://schemas.microsoft.com/office/powerpoint/2010/main" val="3873228255"/>
+      </p:ext>
+    </p:extLst>
+  </p:cSld>
+  <p:clrMapOvr>
+    <a:masterClrMapping/>
+  </p:clrMapOvr>
+</p:sld>
+</file>
+
+<file path=ppt/slides/slide12.xml><?xml version="1.0" encoding="utf-8"?>
+<p:sld xmlns:a="http://schemas.openxmlformats.org/drawingml/2006/main" xmlns:r="http://schemas.openxmlformats.org/officeDocument/2006/relationships" xmlns:p="http://schemas.openxmlformats.org/presentationml/2006/main">
+  <p:cSld>
+    <p:spTree>
+      <p:nvGrpSpPr>
+        <p:cNvPr id="1" name=""/>
+        <p:cNvGrpSpPr/>
+        <p:nvPr/>
+      </p:nvGrpSpPr>
+      <p:grpSpPr>
+        <a:xfrm>
+          <a:off x="0" y="0"/>
+          <a:ext cx="0" cy="0"/>
+          <a:chOff x="0" y="0"/>
+          <a:chExt cx="0" cy="0"/>
+        </a:xfrm>
+      </p:grpSpPr>
+      <p:pic>
+        <p:nvPicPr>
+          <p:cNvPr id="3" name="Picture 2">
+            <a:extLst>
+              <a:ext uri="{FF2B5EF4-FFF2-40B4-BE49-F238E27FC236}">
+                <a16:creationId xmlns:a16="http://schemas.microsoft.com/office/drawing/2014/main" id="{1D6CD35E-1804-5D4A-8A09-953F181EA5F3}"/>
+              </a:ext>
+            </a:extLst>
+          </p:cNvPr>
+          <p:cNvPicPr>
+            <a:picLocks noChangeAspect="1"/>
+          </p:cNvPicPr>
+          <p:nvPr/>
+        </p:nvPicPr>
+        <p:blipFill>
+          <a:blip r:embed="rId2"/>
+          <a:stretch>
+            <a:fillRect/>
+          </a:stretch>
+        </p:blipFill>
+        <p:spPr>
+          <a:xfrm>
+            <a:off x="759773" y="350689"/>
+            <a:ext cx="4717199" cy="6328519"/>
+          </a:xfrm>
+          <a:prstGeom prst="rect">
+            <a:avLst/>
+          </a:prstGeom>
+        </p:spPr>
+      </p:pic>
+      <p:pic>
+        <p:nvPicPr>
+          <p:cNvPr id="5" name="Picture 4">
+            <a:extLst>
+              <a:ext uri="{FF2B5EF4-FFF2-40B4-BE49-F238E27FC236}">
+                <a16:creationId xmlns:a16="http://schemas.microsoft.com/office/drawing/2014/main" id="{3C010024-01DD-0F40-BFF7-E4B144CEB8D8}"/>
+              </a:ext>
+            </a:extLst>
+          </p:cNvPr>
+          <p:cNvPicPr>
+            <a:picLocks noChangeAspect="1"/>
+          </p:cNvPicPr>
+          <p:nvPr/>
+        </p:nvPicPr>
+        <p:blipFill>
+          <a:blip r:embed="rId3"/>
+          <a:stretch>
+            <a:fillRect/>
+          </a:stretch>
+        </p:blipFill>
+        <p:spPr>
+          <a:xfrm>
+            <a:off x="6642099" y="350688"/>
+            <a:ext cx="4717199" cy="6328519"/>
+          </a:xfrm>
+          <a:prstGeom prst="rect">
+            <a:avLst/>
+          </a:prstGeom>
+        </p:spPr>
+      </p:pic>
+    </p:spTree>
+    <p:extLst>
+      <p:ext uri="{BB962C8B-B14F-4D97-AF65-F5344CB8AC3E}">
+        <p14:creationId xmlns:p14="http://schemas.microsoft.com/office/powerpoint/2010/main" val="4289118075"/>
+      </p:ext>
+    </p:extLst>
+  </p:cSld>
+  <p:clrMapOvr>
+    <a:masterClrMapping/>
+  </p:clrMapOvr>
+</p:sld>
+</file>
+
+<file path=ppt/slides/slide13.xml><?xml version="1.0" encoding="utf-8"?>
+<p:sld xmlns:a="http://schemas.openxmlformats.org/drawingml/2006/main" xmlns:r="http://schemas.openxmlformats.org/officeDocument/2006/relationships" xmlns:p="http://schemas.openxmlformats.org/presentationml/2006/main">
+  <p:cSld>
+    <p:spTree>
+      <p:nvGrpSpPr>
+        <p:cNvPr id="1" name=""/>
+        <p:cNvGrpSpPr/>
+        <p:nvPr/>
+      </p:nvGrpSpPr>
+      <p:grpSpPr>
+        <a:xfrm>
+          <a:off x="0" y="0"/>
+          <a:ext cx="0" cy="0"/>
+          <a:chOff x="0" y="0"/>
+          <a:chExt cx="0" cy="0"/>
+        </a:xfrm>
+      </p:grpSpPr>
+      <p:pic>
+        <p:nvPicPr>
+          <p:cNvPr id="3" name="Picture 2">
+            <a:extLst>
+              <a:ext uri="{FF2B5EF4-FFF2-40B4-BE49-F238E27FC236}">
+                <a16:creationId xmlns:a16="http://schemas.microsoft.com/office/drawing/2014/main" id="{00ADB2FB-8A9C-8548-9B8F-102407F030CD}"/>
+              </a:ext>
+            </a:extLst>
+          </p:cNvPr>
+          <p:cNvPicPr>
+            <a:picLocks noChangeAspect="1"/>
+          </p:cNvPicPr>
+          <p:nvPr/>
+        </p:nvPicPr>
+        <p:blipFill>
+          <a:blip r:embed="rId2"/>
+          <a:stretch>
+            <a:fillRect/>
+          </a:stretch>
+        </p:blipFill>
+        <p:spPr>
+          <a:xfrm>
+            <a:off x="6726939" y="350687"/>
+            <a:ext cx="4754908" cy="6379109"/>
+          </a:xfrm>
+          <a:prstGeom prst="rect">
+            <a:avLst/>
+          </a:prstGeom>
+        </p:spPr>
+      </p:pic>
+      <p:pic>
+        <p:nvPicPr>
+          <p:cNvPr id="5" name="Picture 4">
+            <a:extLst>
+              <a:ext uri="{FF2B5EF4-FFF2-40B4-BE49-F238E27FC236}">
+                <a16:creationId xmlns:a16="http://schemas.microsoft.com/office/drawing/2014/main" id="{F4A42DD6-27A1-E744-82CC-E4F64903BF54}"/>
+              </a:ext>
+            </a:extLst>
+          </p:cNvPr>
+          <p:cNvPicPr>
+            <a:picLocks noChangeAspect="1"/>
+          </p:cNvPicPr>
+          <p:nvPr/>
+        </p:nvPicPr>
+        <p:blipFill>
+          <a:blip r:embed="rId3"/>
+          <a:stretch>
+            <a:fillRect/>
+          </a:stretch>
+        </p:blipFill>
+        <p:spPr>
+          <a:xfrm>
+            <a:off x="703213" y="350690"/>
+            <a:ext cx="4754906" cy="6379106"/>
+          </a:xfrm>
+          <a:prstGeom prst="rect">
+            <a:avLst/>
+          </a:prstGeom>
+        </p:spPr>
+      </p:pic>
+    </p:spTree>
+    <p:extLst>
+      <p:ext uri="{BB962C8B-B14F-4D97-AF65-F5344CB8AC3E}">
+        <p14:creationId xmlns:p14="http://schemas.microsoft.com/office/powerpoint/2010/main" val="1870494778"/>
+      </p:ext>
+    </p:extLst>
+  </p:cSld>
+  <p:clrMapOvr>
+    <a:masterClrMapping/>
+  </p:clrMapOvr>
+</p:sld>
+</file>
+
+<file path=ppt/slides/slide14.xml><?xml version="1.0" encoding="utf-8"?>
+<p:sld xmlns:a="http://schemas.openxmlformats.org/drawingml/2006/main" xmlns:r="http://schemas.openxmlformats.org/officeDocument/2006/relationships" xmlns:p="http://schemas.openxmlformats.org/presentationml/2006/main">
+  <p:cSld>
+    <p:spTree>
+      <p:nvGrpSpPr>
+        <p:cNvPr id="1" name=""/>
+        <p:cNvGrpSpPr/>
+        <p:nvPr/>
+      </p:nvGrpSpPr>
+      <p:grpSpPr>
+        <a:xfrm>
+          <a:off x="0" y="0"/>
+          <a:ext cx="0" cy="0"/>
+          <a:chOff x="0" y="0"/>
+          <a:chExt cx="0" cy="0"/>
+        </a:xfrm>
+      </p:grpSpPr>
+      <p:pic>
+        <p:nvPicPr>
+          <p:cNvPr id="3" name="Picture 2">
+            <a:extLst>
+              <a:ext uri="{FF2B5EF4-FFF2-40B4-BE49-F238E27FC236}">
+                <a16:creationId xmlns:a16="http://schemas.microsoft.com/office/drawing/2014/main" id="{83F83853-CB4E-6947-AC83-D2737D830638}"/>
+              </a:ext>
+            </a:extLst>
+          </p:cNvPr>
+          <p:cNvPicPr>
+            <a:picLocks noChangeAspect="1"/>
+          </p:cNvPicPr>
+          <p:nvPr/>
+        </p:nvPicPr>
+        <p:blipFill>
+          <a:blip r:embed="rId2"/>
+          <a:stretch>
+            <a:fillRect/>
+          </a:stretch>
+        </p:blipFill>
+        <p:spPr>
+          <a:xfrm>
+            <a:off x="854042" y="237567"/>
+            <a:ext cx="4773760" cy="6404401"/>
+          </a:xfrm>
+          <a:prstGeom prst="rect">
+            <a:avLst/>
+          </a:prstGeom>
+        </p:spPr>
+      </p:pic>
+      <p:pic>
+        <p:nvPicPr>
+          <p:cNvPr id="5" name="Picture 4">
+            <a:extLst>
+              <a:ext uri="{FF2B5EF4-FFF2-40B4-BE49-F238E27FC236}">
+                <a16:creationId xmlns:a16="http://schemas.microsoft.com/office/drawing/2014/main" id="{41B8C057-2B3B-D840-B45A-9E2EC11C643D}"/>
+              </a:ext>
+            </a:extLst>
+          </p:cNvPr>
+          <p:cNvPicPr>
+            <a:picLocks noChangeAspect="1"/>
+          </p:cNvPicPr>
+          <p:nvPr/>
+        </p:nvPicPr>
+        <p:blipFill>
+          <a:blip r:embed="rId3"/>
+          <a:stretch>
+            <a:fillRect/>
+          </a:stretch>
+        </p:blipFill>
+        <p:spPr>
+          <a:xfrm>
+            <a:off x="6783502" y="237566"/>
+            <a:ext cx="4773760" cy="6404401"/>
+          </a:xfrm>
+          <a:prstGeom prst="rect">
+            <a:avLst/>
+          </a:prstGeom>
+        </p:spPr>
+      </p:pic>
+    </p:spTree>
+    <p:extLst>
+      <p:ext uri="{BB962C8B-B14F-4D97-AF65-F5344CB8AC3E}">
+        <p14:creationId xmlns:p14="http://schemas.microsoft.com/office/powerpoint/2010/main" val="883207801"/>
+      </p:ext>
+    </p:extLst>
+  </p:cSld>
+  <p:clrMapOvr>
+    <a:masterClrMapping/>
+  </p:clrMapOvr>
+</p:sld>
+</file>
+
 <file path=ppt/slides/slide2.xml><?xml version="1.0" encoding="utf-8"?>
 <p:sld xmlns:a="http://schemas.openxmlformats.org/drawingml/2006/main" xmlns:r="http://schemas.openxmlformats.org/officeDocument/2006/relationships" xmlns:p="http://schemas.openxmlformats.org/presentationml/2006/main">
   <p:cSld>
@@ -3919,19 +4712,8 @@
                 <a:latin typeface="Consolas" panose="020B0609020204030204" pitchFamily="49" charset="0"/>
                 <a:cs typeface="Consolas" panose="020B0609020204030204" pitchFamily="49" charset="0"/>
               </a:rPr>
-              <a:t> </a:t>
-            </a:r>
-            <a:r>
-              <a:rPr lang="en-US" sz="2000">
-                <a:latin typeface="Consolas" panose="020B0609020204030204" pitchFamily="49" charset="0"/>
-                <a:cs typeface="Consolas" panose="020B0609020204030204" pitchFamily="49" charset="0"/>
-              </a:rPr>
-              <a:t>-c</a:t>
-            </a:r>
-            <a:endParaRPr lang="en-US" sz="2000" dirty="0">
-              <a:latin typeface="Consolas" panose="020B0609020204030204" pitchFamily="49" charset="0"/>
-              <a:cs typeface="Consolas" panose="020B0609020204030204" pitchFamily="49" charset="0"/>
-            </a:endParaRPr>
+              <a:t> -c</a:t>
+            </a:r>
           </a:p>
           <a:p>
             <a:r>
@@ -4413,7 +5195,7 @@
           <p:nvPr/>
         </p:nvPicPr>
         <p:blipFill>
-          <a:blip r:embed="rId2"/>
+          <a:blip r:embed="rId3"/>
           <a:stretch>
             <a:fillRect/>
           </a:stretch>
@@ -4948,4 +5730,299 @@
     </a:ext>
   </a:extLst>
 </a:theme>
+</file>
+
+<file path=ppt/theme/theme2.xml><?xml version="1.0" encoding="utf-8"?>
+<a:theme xmlns:a="http://schemas.openxmlformats.org/drawingml/2006/main" name="Office Theme">
+  <a:themeElements>
+    <a:clrScheme name="Office">
+      <a:dk1>
+        <a:sysClr val="windowText" lastClr="000000"/>
+      </a:dk1>
+      <a:lt1>
+        <a:sysClr val="window" lastClr="FFFFFF"/>
+      </a:lt1>
+      <a:dk2>
+        <a:srgbClr val="44546A"/>
+      </a:dk2>
+      <a:lt2>
+        <a:srgbClr val="E7E6E6"/>
+      </a:lt2>
+      <a:accent1>
+        <a:srgbClr val="4472C4"/>
+      </a:accent1>
+      <a:accent2>
+        <a:srgbClr val="ED7D31"/>
+      </a:accent2>
+      <a:accent3>
+        <a:srgbClr val="A5A5A5"/>
+      </a:accent3>
+      <a:accent4>
+        <a:srgbClr val="FFC000"/>
+      </a:accent4>
+      <a:accent5>
+        <a:srgbClr val="5B9BD5"/>
+      </a:accent5>
+      <a:accent6>
+        <a:srgbClr val="70AD47"/>
+      </a:accent6>
+      <a:hlink>
+        <a:srgbClr val="0563C1"/>
+      </a:hlink>
+      <a:folHlink>
+        <a:srgbClr val="954F72"/>
+      </a:folHlink>
+    </a:clrScheme>
+    <a:fontScheme name="Office">
+      <a:majorFont>
+        <a:latin typeface="Calibri Light" panose="020F0302020204030204"/>
+        <a:ea typeface=""/>
+        <a:cs typeface=""/>
+        <a:font script="Jpan" typeface="游ゴシック Light"/>
+        <a:font script="Hang" typeface="맑은 고딕"/>
+        <a:font script="Hans" typeface="等线 Light"/>
+        <a:font script="Hant" typeface="新細明體"/>
+        <a:font script="Arab" typeface="Times New Roman"/>
+        <a:font script="Hebr" typeface="Times New Roman"/>
+        <a:font script="Thai" typeface="Angsana New"/>
+        <a:font script="Ethi" typeface="Nyala"/>
+        <a:font script="Beng" typeface="Vrinda"/>
+        <a:font script="Gujr" typeface="Shruti"/>
+        <a:font script="Khmr" typeface="MoolBoran"/>
+        <a:font script="Knda" typeface="Tunga"/>
+        <a:font script="Guru" typeface="Raavi"/>
+        <a:font script="Cans" typeface="Euphemia"/>
+        <a:font script="Cher" typeface="Plantagenet Cherokee"/>
+        <a:font script="Yiii" typeface="Microsoft Yi Baiti"/>
+        <a:font script="Tibt" typeface="Microsoft Himalaya"/>
+        <a:font script="Thaa" typeface="MV Boli"/>
+        <a:font script="Deva" typeface="Mangal"/>
+        <a:font script="Telu" typeface="Gautami"/>
+        <a:font script="Taml" typeface="Latha"/>
+        <a:font script="Syrc" typeface="Estrangelo Edessa"/>
+        <a:font script="Orya" typeface="Kalinga"/>
+        <a:font script="Mlym" typeface="Kartika"/>
+        <a:font script="Laoo" typeface="DokChampa"/>
+        <a:font script="Sinh" typeface="Iskoola Pota"/>
+        <a:font script="Mong" typeface="Mongolian Baiti"/>
+        <a:font script="Viet" typeface="Times New Roman"/>
+        <a:font script="Uigh" typeface="Microsoft Uighur"/>
+        <a:font script="Geor" typeface="Sylfaen"/>
+        <a:font script="Armn" typeface="Arial"/>
+        <a:font script="Bugi" typeface="Leelawadee UI"/>
+        <a:font script="Bopo" typeface="Microsoft JhengHei"/>
+        <a:font script="Java" typeface="Javanese Text"/>
+        <a:font script="Lisu" typeface="Segoe UI"/>
+        <a:font script="Mymr" typeface="Myanmar Text"/>
+        <a:font script="Nkoo" typeface="Ebrima"/>
+        <a:font script="Olck" typeface="Nirmala UI"/>
+        <a:font script="Osma" typeface="Ebrima"/>
+        <a:font script="Phag" typeface="Phagspa"/>
+        <a:font script="Syrn" typeface="Estrangelo Edessa"/>
+        <a:font script="Syrj" typeface="Estrangelo Edessa"/>
+        <a:font script="Syre" typeface="Estrangelo Edessa"/>
+        <a:font script="Sora" typeface="Nirmala UI"/>
+        <a:font script="Tale" typeface="Microsoft Tai Le"/>
+        <a:font script="Talu" typeface="Microsoft New Tai Lue"/>
+        <a:font script="Tfng" typeface="Ebrima"/>
+      </a:majorFont>
+      <a:minorFont>
+        <a:latin typeface="Calibri" panose="020F0502020204030204"/>
+        <a:ea typeface=""/>
+        <a:cs typeface=""/>
+        <a:font script="Jpan" typeface="游ゴシック"/>
+        <a:font script="Hang" typeface="맑은 고딕"/>
+        <a:font script="Hans" typeface="等线"/>
+        <a:font script="Hant" typeface="新細明體"/>
+        <a:font script="Arab" typeface="Arial"/>
+        <a:font script="Hebr" typeface="Arial"/>
+        <a:font script="Thai" typeface="Cordia New"/>
+        <a:font script="Ethi" typeface="Nyala"/>
+        <a:font script="Beng" typeface="Vrinda"/>
+        <a:font script="Gujr" typeface="Shruti"/>
+        <a:font script="Khmr" typeface="DaunPenh"/>
+        <a:font script="Knda" typeface="Tunga"/>
+        <a:font script="Guru" typeface="Raavi"/>
+        <a:font script="Cans" typeface="Euphemia"/>
+        <a:font script="Cher" typeface="Plantagenet Cherokee"/>
+        <a:font script="Yiii" typeface="Microsoft Yi Baiti"/>
+        <a:font script="Tibt" typeface="Microsoft Himalaya"/>
+        <a:font script="Thaa" typeface="MV Boli"/>
+        <a:font script="Deva" typeface="Mangal"/>
+        <a:font script="Telu" typeface="Gautami"/>
+        <a:font script="Taml" typeface="Latha"/>
+        <a:font script="Syrc" typeface="Estrangelo Edessa"/>
+        <a:font script="Orya" typeface="Kalinga"/>
+        <a:font script="Mlym" typeface="Kartika"/>
+        <a:font script="Laoo" typeface="DokChampa"/>
+        <a:font script="Sinh" typeface="Iskoola Pota"/>
+        <a:font script="Mong" typeface="Mongolian Baiti"/>
+        <a:font script="Viet" typeface="Arial"/>
+        <a:font script="Uigh" typeface="Microsoft Uighur"/>
+        <a:font script="Geor" typeface="Sylfaen"/>
+        <a:font script="Armn" typeface="Arial"/>
+        <a:font script="Bugi" typeface="Leelawadee UI"/>
+        <a:font script="Bopo" typeface="Microsoft JhengHei"/>
+        <a:font script="Java" typeface="Javanese Text"/>
+        <a:font script="Lisu" typeface="Segoe UI"/>
+        <a:font script="Mymr" typeface="Myanmar Text"/>
+        <a:font script="Nkoo" typeface="Ebrima"/>
+        <a:font script="Olck" typeface="Nirmala UI"/>
+        <a:font script="Osma" typeface="Ebrima"/>
+        <a:font script="Phag" typeface="Phagspa"/>
+        <a:font script="Syrn" typeface="Estrangelo Edessa"/>
+        <a:font script="Syrj" typeface="Estrangelo Edessa"/>
+        <a:font script="Syre" typeface="Estrangelo Edessa"/>
+        <a:font script="Sora" typeface="Nirmala UI"/>
+        <a:font script="Tale" typeface="Microsoft Tai Le"/>
+        <a:font script="Talu" typeface="Microsoft New Tai Lue"/>
+        <a:font script="Tfng" typeface="Ebrima"/>
+      </a:minorFont>
+    </a:fontScheme>
+    <a:fmtScheme name="Office">
+      <a:fillStyleLst>
+        <a:solidFill>
+          <a:schemeClr val="phClr"/>
+        </a:solidFill>
+        <a:gradFill rotWithShape="1">
+          <a:gsLst>
+            <a:gs pos="0">
+              <a:schemeClr val="phClr">
+                <a:lumMod val="110000"/>
+                <a:satMod val="105000"/>
+                <a:tint val="67000"/>
+              </a:schemeClr>
+            </a:gs>
+            <a:gs pos="50000">
+              <a:schemeClr val="phClr">
+                <a:lumMod val="105000"/>
+                <a:satMod val="103000"/>
+                <a:tint val="73000"/>
+              </a:schemeClr>
+            </a:gs>
+            <a:gs pos="100000">
+              <a:schemeClr val="phClr">
+                <a:lumMod val="105000"/>
+                <a:satMod val="109000"/>
+                <a:tint val="81000"/>
+              </a:schemeClr>
+            </a:gs>
+          </a:gsLst>
+          <a:lin ang="5400000" scaled="0"/>
+        </a:gradFill>
+        <a:gradFill rotWithShape="1">
+          <a:gsLst>
+            <a:gs pos="0">
+              <a:schemeClr val="phClr">
+                <a:satMod val="103000"/>
+                <a:lumMod val="102000"/>
+                <a:tint val="94000"/>
+              </a:schemeClr>
+            </a:gs>
+            <a:gs pos="50000">
+              <a:schemeClr val="phClr">
+                <a:satMod val="110000"/>
+                <a:lumMod val="100000"/>
+                <a:shade val="100000"/>
+              </a:schemeClr>
+            </a:gs>
+            <a:gs pos="100000">
+              <a:schemeClr val="phClr">
+                <a:lumMod val="99000"/>
+                <a:satMod val="120000"/>
+                <a:shade val="78000"/>
+              </a:schemeClr>
+            </a:gs>
+          </a:gsLst>
+          <a:lin ang="5400000" scaled="0"/>
+        </a:gradFill>
+      </a:fillStyleLst>
+      <a:lnStyleLst>
+        <a:ln w="6350" cap="flat" cmpd="sng" algn="ctr">
+          <a:solidFill>
+            <a:schemeClr val="phClr"/>
+          </a:solidFill>
+          <a:prstDash val="solid"/>
+          <a:miter lim="800000"/>
+        </a:ln>
+        <a:ln w="12700" cap="flat" cmpd="sng" algn="ctr">
+          <a:solidFill>
+            <a:schemeClr val="phClr"/>
+          </a:solidFill>
+          <a:prstDash val="solid"/>
+          <a:miter lim="800000"/>
+        </a:ln>
+        <a:ln w="19050" cap="flat" cmpd="sng" algn="ctr">
+          <a:solidFill>
+            <a:schemeClr val="phClr"/>
+          </a:solidFill>
+          <a:prstDash val="solid"/>
+          <a:miter lim="800000"/>
+        </a:ln>
+      </a:lnStyleLst>
+      <a:effectStyleLst>
+        <a:effectStyle>
+          <a:effectLst/>
+        </a:effectStyle>
+        <a:effectStyle>
+          <a:effectLst/>
+        </a:effectStyle>
+        <a:effectStyle>
+          <a:effectLst>
+            <a:outerShdw blurRad="57150" dist="19050" dir="5400000" algn="ctr" rotWithShape="0">
+              <a:srgbClr val="000000">
+                <a:alpha val="63000"/>
+              </a:srgbClr>
+            </a:outerShdw>
+          </a:effectLst>
+        </a:effectStyle>
+      </a:effectStyleLst>
+      <a:bgFillStyleLst>
+        <a:solidFill>
+          <a:schemeClr val="phClr"/>
+        </a:solidFill>
+        <a:solidFill>
+          <a:schemeClr val="phClr">
+            <a:tint val="95000"/>
+            <a:satMod val="170000"/>
+          </a:schemeClr>
+        </a:solidFill>
+        <a:gradFill rotWithShape="1">
+          <a:gsLst>
+            <a:gs pos="0">
+              <a:schemeClr val="phClr">
+                <a:tint val="93000"/>
+                <a:satMod val="150000"/>
+                <a:shade val="98000"/>
+                <a:lumMod val="102000"/>
+              </a:schemeClr>
+            </a:gs>
+            <a:gs pos="50000">
+              <a:schemeClr val="phClr">
+                <a:tint val="98000"/>
+                <a:satMod val="130000"/>
+                <a:shade val="90000"/>
+                <a:lumMod val="103000"/>
+              </a:schemeClr>
+            </a:gs>
+            <a:gs pos="100000">
+              <a:schemeClr val="phClr">
+                <a:shade val="63000"/>
+                <a:satMod val="120000"/>
+              </a:schemeClr>
+            </a:gs>
+          </a:gsLst>
+          <a:lin ang="5400000" scaled="0"/>
+        </a:gradFill>
+      </a:bgFillStyleLst>
+    </a:fmtScheme>
+  </a:themeElements>
+  <a:objectDefaults/>
+  <a:extraClrSchemeLst/>
+  <a:extLst>
+    <a:ext uri="{05A4C25C-085E-4340-85A3-A5531E510DB2}">
+      <thm15:themeFamily xmlns:thm15="http://schemas.microsoft.com/office/thememl/2012/main" name="Office Theme" id="{62F939B6-93AF-4DB8-9C6B-D6C7DFDC589F}" vid="{4A3C46E8-61CC-4603-A589-7422A47A8E4A}"/>
+    </a:ext>
+  </a:extLst>
+</a:theme>
 </file>
--- a/genic-non-genic.pptx
+++ b/genic-non-genic.pptx
@@ -5146,6 +5146,365 @@
             <a:r>
               <a:rPr lang="en-US" dirty="0"/>
               <a:t>Rep #1</a:t>
+            </a:r>
+          </a:p>
+        </p:txBody>
+      </p:sp>
+      <p:cxnSp>
+        <p:nvCxnSpPr>
+          <p:cNvPr id="5" name="Straight Connector 4">
+            <a:extLst>
+              <a:ext uri="{FF2B5EF4-FFF2-40B4-BE49-F238E27FC236}">
+                <a16:creationId xmlns:a16="http://schemas.microsoft.com/office/drawing/2014/main" id="{8F0EC196-E3C9-FB40-B009-508FD32AF1CA}"/>
+              </a:ext>
+            </a:extLst>
+          </p:cNvPr>
+          <p:cNvCxnSpPr/>
+          <p:nvPr/>
+        </p:nvCxnSpPr>
+        <p:spPr>
+          <a:xfrm>
+            <a:off x="2774950" y="3883843"/>
+            <a:ext cx="0" cy="678730"/>
+          </a:xfrm>
+          <a:prstGeom prst="line">
+            <a:avLst/>
+          </a:prstGeom>
+          <a:ln w="19050">
+            <a:solidFill>
+              <a:schemeClr val="tx1"/>
+            </a:solidFill>
+          </a:ln>
+        </p:spPr>
+        <p:style>
+          <a:lnRef idx="1">
+            <a:schemeClr val="accent1"/>
+          </a:lnRef>
+          <a:fillRef idx="0">
+            <a:schemeClr val="accent1"/>
+          </a:fillRef>
+          <a:effectRef idx="0">
+            <a:schemeClr val="accent1"/>
+          </a:effectRef>
+          <a:fontRef idx="minor">
+            <a:schemeClr val="tx1"/>
+          </a:fontRef>
+        </p:style>
+      </p:cxnSp>
+      <p:cxnSp>
+        <p:nvCxnSpPr>
+          <p:cNvPr id="7" name="Straight Connector 6">
+            <a:extLst>
+              <a:ext uri="{FF2B5EF4-FFF2-40B4-BE49-F238E27FC236}">
+                <a16:creationId xmlns:a16="http://schemas.microsoft.com/office/drawing/2014/main" id="{75052EDE-F8C7-E948-97C0-DBFD1E182350}"/>
+              </a:ext>
+            </a:extLst>
+          </p:cNvPr>
+          <p:cNvCxnSpPr>
+            <a:cxnSpLocks/>
+          </p:cNvCxnSpPr>
+          <p:nvPr/>
+        </p:nvCxnSpPr>
+        <p:spPr>
+          <a:xfrm>
+            <a:off x="2774950" y="3883843"/>
+            <a:ext cx="232201" cy="0"/>
+          </a:xfrm>
+          <a:prstGeom prst="line">
+            <a:avLst/>
+          </a:prstGeom>
+          <a:ln w="19050">
+            <a:solidFill>
+              <a:schemeClr val="tx1"/>
+            </a:solidFill>
+          </a:ln>
+        </p:spPr>
+        <p:style>
+          <a:lnRef idx="1">
+            <a:schemeClr val="accent1"/>
+          </a:lnRef>
+          <a:fillRef idx="0">
+            <a:schemeClr val="accent1"/>
+          </a:fillRef>
+          <a:effectRef idx="0">
+            <a:schemeClr val="accent1"/>
+          </a:effectRef>
+          <a:fontRef idx="minor">
+            <a:schemeClr val="tx1"/>
+          </a:fontRef>
+        </p:style>
+      </p:cxnSp>
+      <p:cxnSp>
+        <p:nvCxnSpPr>
+          <p:cNvPr id="8" name="Straight Connector 7">
+            <a:extLst>
+              <a:ext uri="{FF2B5EF4-FFF2-40B4-BE49-F238E27FC236}">
+                <a16:creationId xmlns:a16="http://schemas.microsoft.com/office/drawing/2014/main" id="{196FD909-1195-6841-9111-351BE0B7E781}"/>
+              </a:ext>
+            </a:extLst>
+          </p:cNvPr>
+          <p:cNvCxnSpPr/>
+          <p:nvPr/>
+        </p:nvCxnSpPr>
+        <p:spPr>
+          <a:xfrm>
+            <a:off x="3004457" y="4036243"/>
+            <a:ext cx="155094" cy="0"/>
+          </a:xfrm>
+          <a:prstGeom prst="line">
+            <a:avLst/>
+          </a:prstGeom>
+          <a:ln w="19050">
+            <a:solidFill>
+              <a:schemeClr val="tx1"/>
+            </a:solidFill>
+          </a:ln>
+        </p:spPr>
+        <p:style>
+          <a:lnRef idx="1">
+            <a:schemeClr val="accent1"/>
+          </a:lnRef>
+          <a:fillRef idx="0">
+            <a:schemeClr val="accent1"/>
+          </a:fillRef>
+          <a:effectRef idx="0">
+            <a:schemeClr val="accent1"/>
+          </a:effectRef>
+          <a:fontRef idx="minor">
+            <a:schemeClr val="tx1"/>
+          </a:fontRef>
+        </p:style>
+      </p:cxnSp>
+      <p:cxnSp>
+        <p:nvCxnSpPr>
+          <p:cNvPr id="9" name="Straight Connector 8">
+            <a:extLst>
+              <a:ext uri="{FF2B5EF4-FFF2-40B4-BE49-F238E27FC236}">
+                <a16:creationId xmlns:a16="http://schemas.microsoft.com/office/drawing/2014/main" id="{DFA81E56-870C-6A4E-824A-1C6B3673332A}"/>
+              </a:ext>
+            </a:extLst>
+          </p:cNvPr>
+          <p:cNvCxnSpPr>
+            <a:cxnSpLocks/>
+          </p:cNvCxnSpPr>
+          <p:nvPr/>
+        </p:nvCxnSpPr>
+        <p:spPr>
+          <a:xfrm>
+            <a:off x="2774950" y="4553866"/>
+            <a:ext cx="229507" cy="1"/>
+          </a:xfrm>
+          <a:prstGeom prst="line">
+            <a:avLst/>
+          </a:prstGeom>
+          <a:ln w="19050">
+            <a:solidFill>
+              <a:schemeClr val="tx1"/>
+            </a:solidFill>
+          </a:ln>
+        </p:spPr>
+        <p:style>
+          <a:lnRef idx="1">
+            <a:schemeClr val="accent1"/>
+          </a:lnRef>
+          <a:fillRef idx="0">
+            <a:schemeClr val="accent1"/>
+          </a:fillRef>
+          <a:effectRef idx="0">
+            <a:schemeClr val="accent1"/>
+          </a:effectRef>
+          <a:fontRef idx="minor">
+            <a:schemeClr val="tx1"/>
+          </a:fontRef>
+        </p:style>
+      </p:cxnSp>
+      <p:sp>
+        <p:nvSpPr>
+          <p:cNvPr id="13" name="TextBox 12">
+            <a:extLst>
+              <a:ext uri="{FF2B5EF4-FFF2-40B4-BE49-F238E27FC236}">
+                <a16:creationId xmlns:a16="http://schemas.microsoft.com/office/drawing/2014/main" id="{C55B043A-56C4-CB4F-BCD0-1EAAD4C4FCCB}"/>
+              </a:ext>
+            </a:extLst>
+          </p:cNvPr>
+          <p:cNvSpPr txBox="1"/>
+          <p:nvPr/>
+        </p:nvSpPr>
+        <p:spPr>
+          <a:xfrm>
+            <a:off x="1529443" y="4038542"/>
+            <a:ext cx="1206500" cy="369332"/>
+          </a:xfrm>
+          <a:prstGeom prst="rect">
+            <a:avLst/>
+          </a:prstGeom>
+          <a:noFill/>
+        </p:spPr>
+        <p:txBody>
+          <a:bodyPr wrap="square" rtlCol="0">
+            <a:spAutoFit/>
+          </a:bodyPr>
+          <a:lstStyle/>
+          <a:p>
+            <a:r>
+              <a:rPr lang="en-US" dirty="0"/>
+              <a:t>Fraction 5</a:t>
+            </a:r>
+          </a:p>
+        </p:txBody>
+      </p:sp>
+      <p:cxnSp>
+        <p:nvCxnSpPr>
+          <p:cNvPr id="15" name="Straight Arrow Connector 14">
+            <a:extLst>
+              <a:ext uri="{FF2B5EF4-FFF2-40B4-BE49-F238E27FC236}">
+                <a16:creationId xmlns:a16="http://schemas.microsoft.com/office/drawing/2014/main" id="{543C4861-6931-1845-8786-408BDAFECA91}"/>
+              </a:ext>
+            </a:extLst>
+          </p:cNvPr>
+          <p:cNvCxnSpPr/>
+          <p:nvPr/>
+        </p:nvCxnSpPr>
+        <p:spPr>
+          <a:xfrm>
+            <a:off x="2393950" y="3613150"/>
+            <a:ext cx="495753" cy="423093"/>
+          </a:xfrm>
+          <a:prstGeom prst="straightConnector1">
+            <a:avLst/>
+          </a:prstGeom>
+          <a:ln w="12700">
+            <a:solidFill>
+              <a:srgbClr val="31BAC4"/>
+            </a:solidFill>
+            <a:tailEnd type="triangle"/>
+          </a:ln>
+        </p:spPr>
+        <p:style>
+          <a:lnRef idx="1">
+            <a:schemeClr val="accent1"/>
+          </a:lnRef>
+          <a:fillRef idx="0">
+            <a:schemeClr val="accent1"/>
+          </a:fillRef>
+          <a:effectRef idx="0">
+            <a:schemeClr val="accent1"/>
+          </a:effectRef>
+          <a:fontRef idx="minor">
+            <a:schemeClr val="tx1"/>
+          </a:fontRef>
+        </p:style>
+      </p:cxnSp>
+      <p:cxnSp>
+        <p:nvCxnSpPr>
+          <p:cNvPr id="16" name="Straight Arrow Connector 15">
+            <a:extLst>
+              <a:ext uri="{FF2B5EF4-FFF2-40B4-BE49-F238E27FC236}">
+                <a16:creationId xmlns:a16="http://schemas.microsoft.com/office/drawing/2014/main" id="{D590ABB5-5E79-5644-8522-E5E53059470A}"/>
+              </a:ext>
+            </a:extLst>
+          </p:cNvPr>
+          <p:cNvCxnSpPr>
+            <a:cxnSpLocks/>
+          </p:cNvCxnSpPr>
+          <p:nvPr/>
+        </p:nvCxnSpPr>
+        <p:spPr>
+          <a:xfrm flipV="1">
+            <a:off x="2406650" y="4381058"/>
+            <a:ext cx="454932" cy="457642"/>
+          </a:xfrm>
+          <a:prstGeom prst="straightConnector1">
+            <a:avLst/>
+          </a:prstGeom>
+          <a:ln w="12700">
+            <a:solidFill>
+              <a:srgbClr val="7030A0"/>
+            </a:solidFill>
+            <a:tailEnd type="triangle"/>
+          </a:ln>
+        </p:spPr>
+        <p:style>
+          <a:lnRef idx="1">
+            <a:schemeClr val="accent1"/>
+          </a:lnRef>
+          <a:fillRef idx="0">
+            <a:schemeClr val="accent1"/>
+          </a:fillRef>
+          <a:effectRef idx="0">
+            <a:schemeClr val="accent1"/>
+          </a:effectRef>
+          <a:fontRef idx="minor">
+            <a:schemeClr val="tx1"/>
+          </a:fontRef>
+        </p:style>
+      </p:cxnSp>
+      <p:sp>
+        <p:nvSpPr>
+          <p:cNvPr id="19" name="TextBox 18">
+            <a:extLst>
+              <a:ext uri="{FF2B5EF4-FFF2-40B4-BE49-F238E27FC236}">
+                <a16:creationId xmlns:a16="http://schemas.microsoft.com/office/drawing/2014/main" id="{39AF39F8-CEE8-5D42-B935-ADF9A0476F59}"/>
+              </a:ext>
+            </a:extLst>
+          </p:cNvPr>
+          <p:cNvSpPr txBox="1"/>
+          <p:nvPr/>
+        </p:nvSpPr>
+        <p:spPr>
+          <a:xfrm>
+            <a:off x="1821996" y="3360622"/>
+            <a:ext cx="991508" cy="523220"/>
+          </a:xfrm>
+          <a:prstGeom prst="rect">
+            <a:avLst/>
+          </a:prstGeom>
+          <a:noFill/>
+        </p:spPr>
+        <p:txBody>
+          <a:bodyPr wrap="square" rtlCol="0">
+            <a:spAutoFit/>
+          </a:bodyPr>
+          <a:lstStyle/>
+          <a:p>
+            <a:r>
+              <a:rPr lang="en-US" sz="1400" dirty="0"/>
+              <a:t>Genic subset</a:t>
+            </a:r>
+          </a:p>
+        </p:txBody>
+      </p:sp>
+      <p:sp>
+        <p:nvSpPr>
+          <p:cNvPr id="20" name="TextBox 19">
+            <a:extLst>
+              <a:ext uri="{FF2B5EF4-FFF2-40B4-BE49-F238E27FC236}">
+                <a16:creationId xmlns:a16="http://schemas.microsoft.com/office/drawing/2014/main" id="{3EFCECE6-A06F-1F45-AD83-4E45105DBD36}"/>
+              </a:ext>
+            </a:extLst>
+          </p:cNvPr>
+          <p:cNvSpPr txBox="1"/>
+          <p:nvPr/>
+        </p:nvSpPr>
+        <p:spPr>
+          <a:xfrm>
+            <a:off x="1637846" y="4564405"/>
+            <a:ext cx="991508" cy="523220"/>
+          </a:xfrm>
+          <a:prstGeom prst="rect">
+            <a:avLst/>
+          </a:prstGeom>
+          <a:noFill/>
+        </p:spPr>
+        <p:txBody>
+          <a:bodyPr wrap="square" rtlCol="0">
+            <a:spAutoFit/>
+          </a:bodyPr>
+          <a:lstStyle/>
+          <a:p>
+            <a:r>
+              <a:rPr lang="en-US" sz="1400" dirty="0"/>
+              <a:t>Non-genic subset</a:t>
             </a:r>
           </a:p>
         </p:txBody>

--- a/genic-non-genic.pptx
+++ b/genic-non-genic.pptx
@@ -5,7 +5,7 @@
     <p:sldMasterId id="2147483648" r:id="rId1"/>
   </p:sldMasterIdLst>
   <p:notesMasterIdLst>
-    <p:notesMasterId r:id="rId16"/>
+    <p:notesMasterId r:id="rId18"/>
   </p:notesMasterIdLst>
   <p:sldIdLst>
     <p:sldId id="256" r:id="rId2"/>
@@ -22,6 +22,8 @@
     <p:sldId id="269" r:id="rId13"/>
     <p:sldId id="266" r:id="rId14"/>
     <p:sldId id="268" r:id="rId15"/>
+    <p:sldId id="270" r:id="rId16"/>
+    <p:sldId id="271" r:id="rId17"/>
   </p:sldIdLst>
   <p:sldSz cx="12192000" cy="6858000"/>
   <p:notesSz cx="6858000" cy="9144000"/>
@@ -120,6 +122,11 @@
       </a:defRPr>
     </a:lvl9pPr>
   </p:defaultTextStyle>
+  <p:extLst>
+    <p:ext uri="{EFAFB233-063F-42B5-8137-9DF3F51BA10A}">
+      <p15:sldGuideLst xmlns:p15="http://schemas.microsoft.com/office/powerpoint/2012/main"/>
+    </p:ext>
+  </p:extLst>
 </p:presentation>
 </file>
 
@@ -205,7 +212,7 @@
           <a:p>
             <a:fld id="{92A9655C-BABF-6644-9F33-5B791CE1EFE1}" type="datetimeFigureOut">
               <a:rPr lang="en-US" smtClean="0"/>
-              <a:t>7/21/21</a:t>
+              <a:t>7/24/21</a:t>
             </a:fld>
             <a:endParaRPr lang="en-US"/>
           </a:p>
@@ -703,7 +710,7 @@
           <a:p>
             <a:fld id="{2D842D25-5106-1E49-B54B-D27D091CFF44}" type="datetimeFigureOut">
               <a:rPr lang="en-US" smtClean="0"/>
-              <a:t>7/20/21</a:t>
+              <a:t>7/24/21</a:t>
             </a:fld>
             <a:endParaRPr lang="en-US"/>
           </a:p>
@@ -901,7 +908,7 @@
           <a:p>
             <a:fld id="{2D842D25-5106-1E49-B54B-D27D091CFF44}" type="datetimeFigureOut">
               <a:rPr lang="en-US" smtClean="0"/>
-              <a:t>7/20/21</a:t>
+              <a:t>7/24/21</a:t>
             </a:fld>
             <a:endParaRPr lang="en-US"/>
           </a:p>
@@ -1109,7 +1116,7 @@
           <a:p>
             <a:fld id="{2D842D25-5106-1E49-B54B-D27D091CFF44}" type="datetimeFigureOut">
               <a:rPr lang="en-US" smtClean="0"/>
-              <a:t>7/20/21</a:t>
+              <a:t>7/24/21</a:t>
             </a:fld>
             <a:endParaRPr lang="en-US"/>
           </a:p>
@@ -1307,7 +1314,7 @@
           <a:p>
             <a:fld id="{2D842D25-5106-1E49-B54B-D27D091CFF44}" type="datetimeFigureOut">
               <a:rPr lang="en-US" smtClean="0"/>
-              <a:t>7/20/21</a:t>
+              <a:t>7/24/21</a:t>
             </a:fld>
             <a:endParaRPr lang="en-US"/>
           </a:p>
@@ -1582,7 +1589,7 @@
           <a:p>
             <a:fld id="{2D842D25-5106-1E49-B54B-D27D091CFF44}" type="datetimeFigureOut">
               <a:rPr lang="en-US" smtClean="0"/>
-              <a:t>7/20/21</a:t>
+              <a:t>7/24/21</a:t>
             </a:fld>
             <a:endParaRPr lang="en-US"/>
           </a:p>
@@ -1847,7 +1854,7 @@
           <a:p>
             <a:fld id="{2D842D25-5106-1E49-B54B-D27D091CFF44}" type="datetimeFigureOut">
               <a:rPr lang="en-US" smtClean="0"/>
-              <a:t>7/20/21</a:t>
+              <a:t>7/24/21</a:t>
             </a:fld>
             <a:endParaRPr lang="en-US"/>
           </a:p>
@@ -2259,7 +2266,7 @@
           <a:p>
             <a:fld id="{2D842D25-5106-1E49-B54B-D27D091CFF44}" type="datetimeFigureOut">
               <a:rPr lang="en-US" smtClean="0"/>
-              <a:t>7/20/21</a:t>
+              <a:t>7/24/21</a:t>
             </a:fld>
             <a:endParaRPr lang="en-US"/>
           </a:p>
@@ -2400,7 +2407,7 @@
           <a:p>
             <a:fld id="{2D842D25-5106-1E49-B54B-D27D091CFF44}" type="datetimeFigureOut">
               <a:rPr lang="en-US" smtClean="0"/>
-              <a:t>7/20/21</a:t>
+              <a:t>7/24/21</a:t>
             </a:fld>
             <a:endParaRPr lang="en-US"/>
           </a:p>
@@ -2513,7 +2520,7 @@
           <a:p>
             <a:fld id="{2D842D25-5106-1E49-B54B-D27D091CFF44}" type="datetimeFigureOut">
               <a:rPr lang="en-US" smtClean="0"/>
-              <a:t>7/20/21</a:t>
+              <a:t>7/24/21</a:t>
             </a:fld>
             <a:endParaRPr lang="en-US"/>
           </a:p>
@@ -2824,7 +2831,7 @@
           <a:p>
             <a:fld id="{2D842D25-5106-1E49-B54B-D27D091CFF44}" type="datetimeFigureOut">
               <a:rPr lang="en-US" smtClean="0"/>
-              <a:t>7/20/21</a:t>
+              <a:t>7/24/21</a:t>
             </a:fld>
             <a:endParaRPr lang="en-US"/>
           </a:p>
@@ -3112,7 +3119,7 @@
           <a:p>
             <a:fld id="{2D842D25-5106-1E49-B54B-D27D091CFF44}" type="datetimeFigureOut">
               <a:rPr lang="en-US" smtClean="0"/>
-              <a:t>7/20/21</a:t>
+              <a:t>7/24/21</a:t>
             </a:fld>
             <a:endParaRPr lang="en-US"/>
           </a:p>
@@ -3353,7 +3360,7 @@
           <a:p>
             <a:fld id="{2D842D25-5106-1E49-B54B-D27D091CFF44}" type="datetimeFigureOut">
               <a:rPr lang="en-US" smtClean="0"/>
-              <a:t>7/20/21</a:t>
+              <a:t>7/24/21</a:t>
             </a:fld>
             <a:endParaRPr lang="en-US"/>
           </a:p>
@@ -4075,10 +4082,10 @@
       </p:pic>
       <p:pic>
         <p:nvPicPr>
-          <p:cNvPr id="5" name="Picture 4">
-            <a:extLst>
-              <a:ext uri="{FF2B5EF4-FFF2-40B4-BE49-F238E27FC236}">
-                <a16:creationId xmlns:a16="http://schemas.microsoft.com/office/drawing/2014/main" id="{3C010024-01DD-0F40-BFF7-E4B144CEB8D8}"/>
+          <p:cNvPr id="6" name="Picture 5">
+            <a:extLst>
+              <a:ext uri="{FF2B5EF4-FFF2-40B4-BE49-F238E27FC236}">
+                <a16:creationId xmlns:a16="http://schemas.microsoft.com/office/drawing/2014/main" id="{B59D490C-CBA4-004B-A11E-3D9AE0989EAF}"/>
               </a:ext>
             </a:extLst>
           </p:cNvPr>
@@ -4095,8 +4102,8 @@
         </p:blipFill>
         <p:spPr>
           <a:xfrm>
-            <a:off x="6642099" y="350688"/>
-            <a:ext cx="4717199" cy="6328519"/>
+            <a:off x="6132863" y="350689"/>
+            <a:ext cx="4890220" cy="6328519"/>
           </a:xfrm>
           <a:prstGeom prst="rect">
             <a:avLst/>
@@ -4135,10 +4142,10 @@
       </p:grpSpPr>
       <p:pic>
         <p:nvPicPr>
-          <p:cNvPr id="3" name="Picture 2">
-            <a:extLst>
-              <a:ext uri="{FF2B5EF4-FFF2-40B4-BE49-F238E27FC236}">
-                <a16:creationId xmlns:a16="http://schemas.microsoft.com/office/drawing/2014/main" id="{00ADB2FB-8A9C-8548-9B8F-102407F030CD}"/>
+          <p:cNvPr id="5" name="Picture 4">
+            <a:extLst>
+              <a:ext uri="{FF2B5EF4-FFF2-40B4-BE49-F238E27FC236}">
+                <a16:creationId xmlns:a16="http://schemas.microsoft.com/office/drawing/2014/main" id="{F4A42DD6-27A1-E744-82CC-E4F64903BF54}"/>
               </a:ext>
             </a:extLst>
           </p:cNvPr>
@@ -4155,8 +4162,8 @@
         </p:blipFill>
         <p:spPr>
           <a:xfrm>
-            <a:off x="6726939" y="350687"/>
-            <a:ext cx="4754908" cy="6379109"/>
+            <a:off x="703213" y="350690"/>
+            <a:ext cx="4754906" cy="6379106"/>
           </a:xfrm>
           <a:prstGeom prst="rect">
             <a:avLst/>
@@ -4165,10 +4172,10 @@
       </p:pic>
       <p:pic>
         <p:nvPicPr>
-          <p:cNvPr id="5" name="Picture 4">
-            <a:extLst>
-              <a:ext uri="{FF2B5EF4-FFF2-40B4-BE49-F238E27FC236}">
-                <a16:creationId xmlns:a16="http://schemas.microsoft.com/office/drawing/2014/main" id="{F4A42DD6-27A1-E744-82CC-E4F64903BF54}"/>
+          <p:cNvPr id="6" name="Picture 5">
+            <a:extLst>
+              <a:ext uri="{FF2B5EF4-FFF2-40B4-BE49-F238E27FC236}">
+                <a16:creationId xmlns:a16="http://schemas.microsoft.com/office/drawing/2014/main" id="{E45BFA20-7DCD-2A41-8C85-EAF95DC89EB7}"/>
               </a:ext>
             </a:extLst>
           </p:cNvPr>
@@ -4185,8 +4192,8 @@
         </p:blipFill>
         <p:spPr>
           <a:xfrm>
-            <a:off x="703213" y="350690"/>
-            <a:ext cx="4754906" cy="6379106"/>
+            <a:off x="5952012" y="350690"/>
+            <a:ext cx="4929310" cy="6379106"/>
           </a:xfrm>
           <a:prstGeom prst="rect">
             <a:avLst/>
@@ -4287,6 +4294,96 @@
     <p:extLst>
       <p:ext uri="{BB962C8B-B14F-4D97-AF65-F5344CB8AC3E}">
         <p14:creationId xmlns:p14="http://schemas.microsoft.com/office/powerpoint/2010/main" val="883207801"/>
+      </p:ext>
+    </p:extLst>
+  </p:cSld>
+  <p:clrMapOvr>
+    <a:masterClrMapping/>
+  </p:clrMapOvr>
+</p:sld>
+</file>
+
+<file path=ppt/slides/slide15.xml><?xml version="1.0" encoding="utf-8"?>
+<p:sld xmlns:a="http://schemas.openxmlformats.org/drawingml/2006/main" xmlns:r="http://schemas.openxmlformats.org/officeDocument/2006/relationships" xmlns:p="http://schemas.openxmlformats.org/presentationml/2006/main">
+  <p:cSld>
+    <p:spTree>
+      <p:nvGrpSpPr>
+        <p:cNvPr id="1" name=""/>
+        <p:cNvGrpSpPr/>
+        <p:nvPr/>
+      </p:nvGrpSpPr>
+      <p:grpSpPr>
+        <a:xfrm>
+          <a:off x="0" y="0"/>
+          <a:ext cx="0" cy="0"/>
+          <a:chOff x="0" y="0"/>
+          <a:chExt cx="0" cy="0"/>
+        </a:xfrm>
+      </p:grpSpPr>
+      <p:pic>
+        <p:nvPicPr>
+          <p:cNvPr id="9" name="Picture 8">
+            <a:extLst>
+              <a:ext uri="{FF2B5EF4-FFF2-40B4-BE49-F238E27FC236}">
+                <a16:creationId xmlns:a16="http://schemas.microsoft.com/office/drawing/2014/main" id="{7478BCD9-11C5-CB44-976F-9C3BCB610D23}"/>
+              </a:ext>
+            </a:extLst>
+          </p:cNvPr>
+          <p:cNvPicPr>
+            <a:picLocks noChangeAspect="1"/>
+          </p:cNvPicPr>
+          <p:nvPr/>
+        </p:nvPicPr>
+        <p:blipFill>
+          <a:blip r:embed="rId2"/>
+          <a:stretch>
+            <a:fillRect/>
+          </a:stretch>
+        </p:blipFill>
+        <p:spPr>
+          <a:xfrm>
+            <a:off x="3446318" y="0"/>
+            <a:ext cx="5299364" cy="6858000"/>
+          </a:xfrm>
+          <a:prstGeom prst="rect">
+            <a:avLst/>
+          </a:prstGeom>
+        </p:spPr>
+      </p:pic>
+    </p:spTree>
+    <p:extLst>
+      <p:ext uri="{BB962C8B-B14F-4D97-AF65-F5344CB8AC3E}">
+        <p14:creationId xmlns:p14="http://schemas.microsoft.com/office/powerpoint/2010/main" val="1163475754"/>
+      </p:ext>
+    </p:extLst>
+  </p:cSld>
+  <p:clrMapOvr>
+    <a:masterClrMapping/>
+  </p:clrMapOvr>
+</p:sld>
+</file>
+
+<file path=ppt/slides/slide16.xml><?xml version="1.0" encoding="utf-8"?>
+<p:sld xmlns:a="http://schemas.openxmlformats.org/drawingml/2006/main" xmlns:r="http://schemas.openxmlformats.org/officeDocument/2006/relationships" xmlns:p="http://schemas.openxmlformats.org/presentationml/2006/main">
+  <p:cSld>
+    <p:spTree>
+      <p:nvGrpSpPr>
+        <p:cNvPr id="1" name=""/>
+        <p:cNvGrpSpPr/>
+        <p:nvPr/>
+      </p:nvGrpSpPr>
+      <p:grpSpPr>
+        <a:xfrm>
+          <a:off x="0" y="0"/>
+          <a:ext cx="0" cy="0"/>
+          <a:chOff x="0" y="0"/>
+          <a:chExt cx="0" cy="0"/>
+        </a:xfrm>
+      </p:grpSpPr>
+    </p:spTree>
+    <p:extLst>
+      <p:ext uri="{BB962C8B-B14F-4D97-AF65-F5344CB8AC3E}">
+        <p14:creationId xmlns:p14="http://schemas.microsoft.com/office/powerpoint/2010/main" val="425162374"/>
       </p:ext>
     </p:extLst>
   </p:cSld>

--- a/genic-non-genic.pptx
+++ b/genic-non-genic.pptx
@@ -5,7 +5,7 @@
     <p:sldMasterId id="2147483648" r:id="rId1"/>
   </p:sldMasterIdLst>
   <p:notesMasterIdLst>
-    <p:notesMasterId r:id="rId18"/>
+    <p:notesMasterId r:id="rId19"/>
   </p:notesMasterIdLst>
   <p:sldIdLst>
     <p:sldId id="256" r:id="rId2"/>
@@ -19,11 +19,12 @@
     <p:sldId id="264" r:id="rId10"/>
     <p:sldId id="265" r:id="rId11"/>
     <p:sldId id="267" r:id="rId12"/>
-    <p:sldId id="269" r:id="rId13"/>
-    <p:sldId id="266" r:id="rId14"/>
-    <p:sldId id="268" r:id="rId15"/>
-    <p:sldId id="270" r:id="rId16"/>
-    <p:sldId id="271" r:id="rId17"/>
+    <p:sldId id="277" r:id="rId13"/>
+    <p:sldId id="278" r:id="rId14"/>
+    <p:sldId id="279" r:id="rId15"/>
+    <p:sldId id="280" r:id="rId16"/>
+    <p:sldId id="281" r:id="rId17"/>
+    <p:sldId id="282" r:id="rId18"/>
   </p:sldIdLst>
   <p:sldSz cx="12192000" cy="6858000"/>
   <p:notesSz cx="6858000" cy="9144000"/>
@@ -4055,7 +4056,7 @@
           <p:cNvPr id="3" name="Picture 2">
             <a:extLst>
               <a:ext uri="{FF2B5EF4-FFF2-40B4-BE49-F238E27FC236}">
-                <a16:creationId xmlns:a16="http://schemas.microsoft.com/office/drawing/2014/main" id="{1D6CD35E-1804-5D4A-8A09-953F181EA5F3}"/>
+                <a16:creationId xmlns:a16="http://schemas.microsoft.com/office/drawing/2014/main" id="{C1C242C8-FAB7-2446-8A9D-F318B187547F}"/>
               </a:ext>
             </a:extLst>
           </p:cNvPr>
@@ -4072,8 +4073,8 @@
         </p:blipFill>
         <p:spPr>
           <a:xfrm>
-            <a:off x="759773" y="350689"/>
-            <a:ext cx="4717199" cy="6328519"/>
+            <a:off x="6352105" y="554804"/>
+            <a:ext cx="5718789" cy="5815173"/>
           </a:xfrm>
           <a:prstGeom prst="rect">
             <a:avLst/>
@@ -4082,10 +4083,10 @@
       </p:pic>
       <p:pic>
         <p:nvPicPr>
-          <p:cNvPr id="6" name="Picture 5">
-            <a:extLst>
-              <a:ext uri="{FF2B5EF4-FFF2-40B4-BE49-F238E27FC236}">
-                <a16:creationId xmlns:a16="http://schemas.microsoft.com/office/drawing/2014/main" id="{B59D490C-CBA4-004B-A11E-3D9AE0989EAF}"/>
+          <p:cNvPr id="5" name="Picture 4">
+            <a:extLst>
+              <a:ext uri="{FF2B5EF4-FFF2-40B4-BE49-F238E27FC236}">
+                <a16:creationId xmlns:a16="http://schemas.microsoft.com/office/drawing/2014/main" id="{AE5DF267-1651-A748-837D-69A7155E98BA}"/>
               </a:ext>
             </a:extLst>
           </p:cNvPr>
@@ -4102,8 +4103,8 @@
         </p:blipFill>
         <p:spPr>
           <a:xfrm>
-            <a:off x="6132863" y="350689"/>
-            <a:ext cx="4890220" cy="6328519"/>
+            <a:off x="609313" y="554804"/>
+            <a:ext cx="5718789" cy="5815173"/>
           </a:xfrm>
           <a:prstGeom prst="rect">
             <a:avLst/>
@@ -4113,7 +4114,7 @@
     </p:spTree>
     <p:extLst>
       <p:ext uri="{BB962C8B-B14F-4D97-AF65-F5344CB8AC3E}">
-        <p14:creationId xmlns:p14="http://schemas.microsoft.com/office/powerpoint/2010/main" val="4289118075"/>
+        <p14:creationId xmlns:p14="http://schemas.microsoft.com/office/powerpoint/2010/main" val="2372231141"/>
       </p:ext>
     </p:extLst>
   </p:cSld>
@@ -4142,10 +4143,10 @@
       </p:grpSpPr>
       <p:pic>
         <p:nvPicPr>
-          <p:cNvPr id="5" name="Picture 4">
-            <a:extLst>
-              <a:ext uri="{FF2B5EF4-FFF2-40B4-BE49-F238E27FC236}">
-                <a16:creationId xmlns:a16="http://schemas.microsoft.com/office/drawing/2014/main" id="{F4A42DD6-27A1-E744-82CC-E4F64903BF54}"/>
+          <p:cNvPr id="3" name="Picture 2">
+            <a:extLst>
+              <a:ext uri="{FF2B5EF4-FFF2-40B4-BE49-F238E27FC236}">
+                <a16:creationId xmlns:a16="http://schemas.microsoft.com/office/drawing/2014/main" id="{C2960E3F-5F87-C343-9828-022547EE50A5}"/>
               </a:ext>
             </a:extLst>
           </p:cNvPr>
@@ -4162,8 +4163,8 @@
         </p:blipFill>
         <p:spPr>
           <a:xfrm>
-            <a:off x="703213" y="350690"/>
-            <a:ext cx="4754906" cy="6379106"/>
+            <a:off x="6619696" y="565219"/>
+            <a:ext cx="5455949" cy="5547903"/>
           </a:xfrm>
           <a:prstGeom prst="rect">
             <a:avLst/>
@@ -4172,10 +4173,10 @@
       </p:pic>
       <p:pic>
         <p:nvPicPr>
-          <p:cNvPr id="6" name="Picture 5">
-            <a:extLst>
-              <a:ext uri="{FF2B5EF4-FFF2-40B4-BE49-F238E27FC236}">
-                <a16:creationId xmlns:a16="http://schemas.microsoft.com/office/drawing/2014/main" id="{E45BFA20-7DCD-2A41-8C85-EAF95DC89EB7}"/>
+          <p:cNvPr id="5" name="Picture 4">
+            <a:extLst>
+              <a:ext uri="{FF2B5EF4-FFF2-40B4-BE49-F238E27FC236}">
+                <a16:creationId xmlns:a16="http://schemas.microsoft.com/office/drawing/2014/main" id="{F385A007-958B-4542-A774-FF5E822D13C0}"/>
               </a:ext>
             </a:extLst>
           </p:cNvPr>
@@ -4192,8 +4193,8 @@
         </p:blipFill>
         <p:spPr>
           <a:xfrm>
-            <a:off x="5952012" y="350690"/>
-            <a:ext cx="4929310" cy="6379106"/>
+            <a:off x="722330" y="565220"/>
+            <a:ext cx="5455949" cy="5547903"/>
           </a:xfrm>
           <a:prstGeom prst="rect">
             <a:avLst/>
@@ -4203,7 +4204,7 @@
     </p:spTree>
     <p:extLst>
       <p:ext uri="{BB962C8B-B14F-4D97-AF65-F5344CB8AC3E}">
-        <p14:creationId xmlns:p14="http://schemas.microsoft.com/office/powerpoint/2010/main" val="1870494778"/>
+        <p14:creationId xmlns:p14="http://schemas.microsoft.com/office/powerpoint/2010/main" val="4240710836"/>
       </p:ext>
     </p:extLst>
   </p:cSld>
@@ -4235,7 +4236,7 @@
           <p:cNvPr id="3" name="Picture 2">
             <a:extLst>
               <a:ext uri="{FF2B5EF4-FFF2-40B4-BE49-F238E27FC236}">
-                <a16:creationId xmlns:a16="http://schemas.microsoft.com/office/drawing/2014/main" id="{83F83853-CB4E-6947-AC83-D2737D830638}"/>
+                <a16:creationId xmlns:a16="http://schemas.microsoft.com/office/drawing/2014/main" id="{AA8D8F08-9C0F-224A-8C08-D4ED40FF7438}"/>
               </a:ext>
             </a:extLst>
           </p:cNvPr>
@@ -4252,8 +4253,8 @@
         </p:blipFill>
         <p:spPr>
           <a:xfrm>
-            <a:off x="854042" y="237567"/>
-            <a:ext cx="4773760" cy="6404401"/>
+            <a:off x="6493559" y="544673"/>
+            <a:ext cx="5698441" cy="5794482"/>
           </a:xfrm>
           <a:prstGeom prst="rect">
             <a:avLst/>
@@ -4265,7 +4266,7 @@
           <p:cNvPr id="5" name="Picture 4">
             <a:extLst>
               <a:ext uri="{FF2B5EF4-FFF2-40B4-BE49-F238E27FC236}">
-                <a16:creationId xmlns:a16="http://schemas.microsoft.com/office/drawing/2014/main" id="{41B8C057-2B3B-D840-B45A-9E2EC11C643D}"/>
+                <a16:creationId xmlns:a16="http://schemas.microsoft.com/office/drawing/2014/main" id="{F293BD58-5AEE-4B40-8396-FE301A29AD22}"/>
               </a:ext>
             </a:extLst>
           </p:cNvPr>
@@ -4282,8 +4283,8 @@
         </p:blipFill>
         <p:spPr>
           <a:xfrm>
-            <a:off x="6783502" y="237566"/>
-            <a:ext cx="4773760" cy="6404401"/>
+            <a:off x="609313" y="544673"/>
+            <a:ext cx="5698441" cy="5794482"/>
           </a:xfrm>
           <a:prstGeom prst="rect">
             <a:avLst/>
@@ -4293,7 +4294,7 @@
     </p:spTree>
     <p:extLst>
       <p:ext uri="{BB962C8B-B14F-4D97-AF65-F5344CB8AC3E}">
-        <p14:creationId xmlns:p14="http://schemas.microsoft.com/office/powerpoint/2010/main" val="883207801"/>
+        <p14:creationId xmlns:p14="http://schemas.microsoft.com/office/powerpoint/2010/main" val="1337979622"/>
       </p:ext>
     </p:extLst>
   </p:cSld>
@@ -4322,10 +4323,10 @@
       </p:grpSpPr>
       <p:pic>
         <p:nvPicPr>
-          <p:cNvPr id="9" name="Picture 8">
-            <a:extLst>
-              <a:ext uri="{FF2B5EF4-FFF2-40B4-BE49-F238E27FC236}">
-                <a16:creationId xmlns:a16="http://schemas.microsoft.com/office/drawing/2014/main" id="{7478BCD9-11C5-CB44-976F-9C3BCB610D23}"/>
+          <p:cNvPr id="7" name="Picture 6">
+            <a:extLst>
+              <a:ext uri="{FF2B5EF4-FFF2-40B4-BE49-F238E27FC236}">
+                <a16:creationId xmlns:a16="http://schemas.microsoft.com/office/drawing/2014/main" id="{7CB0AE47-6AD0-6743-B9C4-C770D4A3B6D6}"/>
               </a:ext>
             </a:extLst>
           </p:cNvPr>
@@ -4342,8 +4343,38 @@
         </p:blipFill>
         <p:spPr>
           <a:xfrm>
-            <a:off x="3446318" y="0"/>
-            <a:ext cx="5299364" cy="6858000"/>
+            <a:off x="414104" y="390560"/>
+            <a:ext cx="5688337" cy="5784208"/>
+          </a:xfrm>
+          <a:prstGeom prst="rect">
+            <a:avLst/>
+          </a:prstGeom>
+        </p:spPr>
+      </p:pic>
+      <p:pic>
+        <p:nvPicPr>
+          <p:cNvPr id="9" name="Picture 8">
+            <a:extLst>
+              <a:ext uri="{FF2B5EF4-FFF2-40B4-BE49-F238E27FC236}">
+                <a16:creationId xmlns:a16="http://schemas.microsoft.com/office/drawing/2014/main" id="{F48FCAE8-2ECE-0F4D-83DA-43F42C0301EB}"/>
+              </a:ext>
+            </a:extLst>
+          </p:cNvPr>
+          <p:cNvPicPr>
+            <a:picLocks noChangeAspect="1"/>
+          </p:cNvPicPr>
+          <p:nvPr/>
+        </p:nvPicPr>
+        <p:blipFill>
+          <a:blip r:embed="rId3"/>
+          <a:stretch>
+            <a:fillRect/>
+          </a:stretch>
+        </p:blipFill>
+        <p:spPr>
+          <a:xfrm>
+            <a:off x="6102440" y="390560"/>
+            <a:ext cx="5688337" cy="5784208"/>
           </a:xfrm>
           <a:prstGeom prst="rect">
             <a:avLst/>
@@ -4353,7 +4384,7 @@
     </p:spTree>
     <p:extLst>
       <p:ext uri="{BB962C8B-B14F-4D97-AF65-F5344CB8AC3E}">
-        <p14:creationId xmlns:p14="http://schemas.microsoft.com/office/powerpoint/2010/main" val="1163475754"/>
+        <p14:creationId xmlns:p14="http://schemas.microsoft.com/office/powerpoint/2010/main" val="466017048"/>
       </p:ext>
     </p:extLst>
   </p:cSld>
@@ -4380,10 +4411,160 @@
           <a:chExt cx="0" cy="0"/>
         </a:xfrm>
       </p:grpSpPr>
+      <p:pic>
+        <p:nvPicPr>
+          <p:cNvPr id="7" name="Picture 6">
+            <a:extLst>
+              <a:ext uri="{FF2B5EF4-FFF2-40B4-BE49-F238E27FC236}">
+                <a16:creationId xmlns:a16="http://schemas.microsoft.com/office/drawing/2014/main" id="{0F6DA5CA-989C-B040-AFD6-9E2ACBC2B21B}"/>
+              </a:ext>
+            </a:extLst>
+          </p:cNvPr>
+          <p:cNvPicPr>
+            <a:picLocks noChangeAspect="1"/>
+          </p:cNvPicPr>
+          <p:nvPr/>
+        </p:nvPicPr>
+        <p:blipFill>
+          <a:blip r:embed="rId2"/>
+          <a:stretch>
+            <a:fillRect/>
+          </a:stretch>
+        </p:blipFill>
+        <p:spPr>
+          <a:xfrm>
+            <a:off x="7112856" y="616592"/>
+            <a:ext cx="4521200" cy="4597400"/>
+          </a:xfrm>
+          <a:prstGeom prst="rect">
+            <a:avLst/>
+          </a:prstGeom>
+        </p:spPr>
+      </p:pic>
+      <p:pic>
+        <p:nvPicPr>
+          <p:cNvPr id="9" name="Picture 8">
+            <a:extLst>
+              <a:ext uri="{FF2B5EF4-FFF2-40B4-BE49-F238E27FC236}">
+                <a16:creationId xmlns:a16="http://schemas.microsoft.com/office/drawing/2014/main" id="{BE065EE8-F391-954B-86E2-EC155B83CCEB}"/>
+              </a:ext>
+            </a:extLst>
+          </p:cNvPr>
+          <p:cNvPicPr>
+            <a:picLocks noChangeAspect="1"/>
+          </p:cNvPicPr>
+          <p:nvPr/>
+        </p:nvPicPr>
+        <p:blipFill>
+          <a:blip r:embed="rId3"/>
+          <a:stretch>
+            <a:fillRect/>
+          </a:stretch>
+        </p:blipFill>
+        <p:spPr>
+          <a:xfrm>
+            <a:off x="660686" y="462480"/>
+            <a:ext cx="4521200" cy="4597400"/>
+          </a:xfrm>
+          <a:prstGeom prst="rect">
+            <a:avLst/>
+          </a:prstGeom>
+        </p:spPr>
+      </p:pic>
     </p:spTree>
     <p:extLst>
       <p:ext uri="{BB962C8B-B14F-4D97-AF65-F5344CB8AC3E}">
-        <p14:creationId xmlns:p14="http://schemas.microsoft.com/office/powerpoint/2010/main" val="425162374"/>
+        <p14:creationId xmlns:p14="http://schemas.microsoft.com/office/powerpoint/2010/main" val="1034878744"/>
+      </p:ext>
+    </p:extLst>
+  </p:cSld>
+  <p:clrMapOvr>
+    <a:masterClrMapping/>
+  </p:clrMapOvr>
+</p:sld>
+</file>
+
+<file path=ppt/slides/slide17.xml><?xml version="1.0" encoding="utf-8"?>
+<p:sld xmlns:a="http://schemas.openxmlformats.org/drawingml/2006/main" xmlns:r="http://schemas.openxmlformats.org/officeDocument/2006/relationships" xmlns:p="http://schemas.openxmlformats.org/presentationml/2006/main">
+  <p:cSld>
+    <p:spTree>
+      <p:nvGrpSpPr>
+        <p:cNvPr id="1" name=""/>
+        <p:cNvGrpSpPr/>
+        <p:nvPr/>
+      </p:nvGrpSpPr>
+      <p:grpSpPr>
+        <a:xfrm>
+          <a:off x="0" y="0"/>
+          <a:ext cx="0" cy="0"/>
+          <a:chOff x="0" y="0"/>
+          <a:chExt cx="0" cy="0"/>
+        </a:xfrm>
+      </p:grpSpPr>
+      <p:pic>
+        <p:nvPicPr>
+          <p:cNvPr id="3" name="Picture 2">
+            <a:extLst>
+              <a:ext uri="{FF2B5EF4-FFF2-40B4-BE49-F238E27FC236}">
+                <a16:creationId xmlns:a16="http://schemas.microsoft.com/office/drawing/2014/main" id="{4B2E9A7A-998A-E649-B4EC-B5A2BB98DB55}"/>
+              </a:ext>
+            </a:extLst>
+          </p:cNvPr>
+          <p:cNvPicPr>
+            <a:picLocks noChangeAspect="1"/>
+          </p:cNvPicPr>
+          <p:nvPr/>
+        </p:nvPicPr>
+        <p:blipFill>
+          <a:blip r:embed="rId2"/>
+          <a:stretch>
+            <a:fillRect/>
+          </a:stretch>
+        </p:blipFill>
+        <p:spPr>
+          <a:xfrm>
+            <a:off x="6332021" y="565219"/>
+            <a:ext cx="5203352" cy="5291049"/>
+          </a:xfrm>
+          <a:prstGeom prst="rect">
+            <a:avLst/>
+          </a:prstGeom>
+        </p:spPr>
+      </p:pic>
+      <p:pic>
+        <p:nvPicPr>
+          <p:cNvPr id="5" name="Picture 4">
+            <a:extLst>
+              <a:ext uri="{FF2B5EF4-FFF2-40B4-BE49-F238E27FC236}">
+                <a16:creationId xmlns:a16="http://schemas.microsoft.com/office/drawing/2014/main" id="{38BE2965-D28A-3D47-B3E4-97D9A3462AA4}"/>
+              </a:ext>
+            </a:extLst>
+          </p:cNvPr>
+          <p:cNvPicPr>
+            <a:picLocks noChangeAspect="1"/>
+          </p:cNvPicPr>
+          <p:nvPr/>
+        </p:nvPicPr>
+        <p:blipFill>
+          <a:blip r:embed="rId3"/>
+          <a:stretch>
+            <a:fillRect/>
+          </a:stretch>
+        </p:blipFill>
+        <p:spPr>
+          <a:xfrm>
+            <a:off x="742879" y="565220"/>
+            <a:ext cx="5203352" cy="5291049"/>
+          </a:xfrm>
+          <a:prstGeom prst="rect">
+            <a:avLst/>
+          </a:prstGeom>
+        </p:spPr>
+      </p:pic>
+    </p:spTree>
+    <p:extLst>
+      <p:ext uri="{BB962C8B-B14F-4D97-AF65-F5344CB8AC3E}">
+        <p14:creationId xmlns:p14="http://schemas.microsoft.com/office/powerpoint/2010/main" val="399489675"/>
       </p:ext>
     </p:extLst>
   </p:cSld>

--- a/genic-non-genic.pptx
+++ b/genic-non-genic.pptx
@@ -4433,8 +4433,8 @@
         </p:blipFill>
         <p:spPr>
           <a:xfrm>
-            <a:off x="7112856" y="616592"/>
-            <a:ext cx="4521200" cy="4597400"/>
+            <a:off x="6239552" y="585769"/>
+            <a:ext cx="5324598" cy="5414338"/>
           </a:xfrm>
           <a:prstGeom prst="rect">
             <a:avLst/>
@@ -4463,8 +4463,8 @@
         </p:blipFill>
         <p:spPr>
           <a:xfrm>
-            <a:off x="660686" y="462480"/>
-            <a:ext cx="4521200" cy="4597400"/>
+            <a:off x="722331" y="483028"/>
+            <a:ext cx="5425636" cy="5517079"/>
           </a:xfrm>
           <a:prstGeom prst="rect">
             <a:avLst/>

--- a/genic-non-genic.pptx
+++ b/genic-non-genic.pptx
@@ -5,7 +5,7 @@
     <p:sldMasterId id="2147483648" r:id="rId1"/>
   </p:sldMasterIdLst>
   <p:notesMasterIdLst>
-    <p:notesMasterId r:id="rId19"/>
+    <p:notesMasterId r:id="rId52"/>
   </p:notesMasterIdLst>
   <p:sldIdLst>
     <p:sldId id="256" r:id="rId2"/>
@@ -25,6 +25,39 @@
     <p:sldId id="280" r:id="rId16"/>
     <p:sldId id="281" r:id="rId17"/>
     <p:sldId id="282" r:id="rId18"/>
+    <p:sldId id="283" r:id="rId19"/>
+    <p:sldId id="285" r:id="rId20"/>
+    <p:sldId id="286" r:id="rId21"/>
+    <p:sldId id="287" r:id="rId22"/>
+    <p:sldId id="288" r:id="rId23"/>
+    <p:sldId id="290" r:id="rId24"/>
+    <p:sldId id="289" r:id="rId25"/>
+    <p:sldId id="291" r:id="rId26"/>
+    <p:sldId id="292" r:id="rId27"/>
+    <p:sldId id="293" r:id="rId28"/>
+    <p:sldId id="294" r:id="rId29"/>
+    <p:sldId id="295" r:id="rId30"/>
+    <p:sldId id="296" r:id="rId31"/>
+    <p:sldId id="297" r:id="rId32"/>
+    <p:sldId id="298" r:id="rId33"/>
+    <p:sldId id="300" r:id="rId34"/>
+    <p:sldId id="301" r:id="rId35"/>
+    <p:sldId id="303" r:id="rId36"/>
+    <p:sldId id="309" r:id="rId37"/>
+    <p:sldId id="302" r:id="rId38"/>
+    <p:sldId id="304" r:id="rId39"/>
+    <p:sldId id="305" r:id="rId40"/>
+    <p:sldId id="307" r:id="rId41"/>
+    <p:sldId id="308" r:id="rId42"/>
+    <p:sldId id="306" r:id="rId43"/>
+    <p:sldId id="310" r:id="rId44"/>
+    <p:sldId id="311" r:id="rId45"/>
+    <p:sldId id="312" r:id="rId46"/>
+    <p:sldId id="313" r:id="rId47"/>
+    <p:sldId id="314" r:id="rId48"/>
+    <p:sldId id="315" r:id="rId49"/>
+    <p:sldId id="316" r:id="rId50"/>
+    <p:sldId id="317" r:id="rId51"/>
   </p:sldIdLst>
   <p:sldSz cx="12192000" cy="6858000"/>
   <p:notesSz cx="6858000" cy="9144000"/>
@@ -213,7 +246,7 @@
           <a:p>
             <a:fld id="{92A9655C-BABF-6644-9F33-5B791CE1EFE1}" type="datetimeFigureOut">
               <a:rPr lang="en-US" smtClean="0"/>
-              <a:t>7/24/21</a:t>
+              <a:t>8/2/21</a:t>
             </a:fld>
             <a:endParaRPr lang="en-US"/>
           </a:p>
@@ -711,7 +744,7 @@
           <a:p>
             <a:fld id="{2D842D25-5106-1E49-B54B-D27D091CFF44}" type="datetimeFigureOut">
               <a:rPr lang="en-US" smtClean="0"/>
-              <a:t>7/24/21</a:t>
+              <a:t>8/2/21</a:t>
             </a:fld>
             <a:endParaRPr lang="en-US"/>
           </a:p>
@@ -909,7 +942,7 @@
           <a:p>
             <a:fld id="{2D842D25-5106-1E49-B54B-D27D091CFF44}" type="datetimeFigureOut">
               <a:rPr lang="en-US" smtClean="0"/>
-              <a:t>7/24/21</a:t>
+              <a:t>8/2/21</a:t>
             </a:fld>
             <a:endParaRPr lang="en-US"/>
           </a:p>
@@ -1117,7 +1150,7 @@
           <a:p>
             <a:fld id="{2D842D25-5106-1E49-B54B-D27D091CFF44}" type="datetimeFigureOut">
               <a:rPr lang="en-US" smtClean="0"/>
-              <a:t>7/24/21</a:t>
+              <a:t>8/2/21</a:t>
             </a:fld>
             <a:endParaRPr lang="en-US"/>
           </a:p>
@@ -1315,7 +1348,7 @@
           <a:p>
             <a:fld id="{2D842D25-5106-1E49-B54B-D27D091CFF44}" type="datetimeFigureOut">
               <a:rPr lang="en-US" smtClean="0"/>
-              <a:t>7/24/21</a:t>
+              <a:t>8/2/21</a:t>
             </a:fld>
             <a:endParaRPr lang="en-US"/>
           </a:p>
@@ -1590,7 +1623,7 @@
           <a:p>
             <a:fld id="{2D842D25-5106-1E49-B54B-D27D091CFF44}" type="datetimeFigureOut">
               <a:rPr lang="en-US" smtClean="0"/>
-              <a:t>7/24/21</a:t>
+              <a:t>8/2/21</a:t>
             </a:fld>
             <a:endParaRPr lang="en-US"/>
           </a:p>
@@ -1855,7 +1888,7 @@
           <a:p>
             <a:fld id="{2D842D25-5106-1E49-B54B-D27D091CFF44}" type="datetimeFigureOut">
               <a:rPr lang="en-US" smtClean="0"/>
-              <a:t>7/24/21</a:t>
+              <a:t>8/2/21</a:t>
             </a:fld>
             <a:endParaRPr lang="en-US"/>
           </a:p>
@@ -2267,7 +2300,7 @@
           <a:p>
             <a:fld id="{2D842D25-5106-1E49-B54B-D27D091CFF44}" type="datetimeFigureOut">
               <a:rPr lang="en-US" smtClean="0"/>
-              <a:t>7/24/21</a:t>
+              <a:t>8/2/21</a:t>
             </a:fld>
             <a:endParaRPr lang="en-US"/>
           </a:p>
@@ -2408,7 +2441,7 @@
           <a:p>
             <a:fld id="{2D842D25-5106-1E49-B54B-D27D091CFF44}" type="datetimeFigureOut">
               <a:rPr lang="en-US" smtClean="0"/>
-              <a:t>7/24/21</a:t>
+              <a:t>8/2/21</a:t>
             </a:fld>
             <a:endParaRPr lang="en-US"/>
           </a:p>
@@ -2521,7 +2554,7 @@
           <a:p>
             <a:fld id="{2D842D25-5106-1E49-B54B-D27D091CFF44}" type="datetimeFigureOut">
               <a:rPr lang="en-US" smtClean="0"/>
-              <a:t>7/24/21</a:t>
+              <a:t>8/2/21</a:t>
             </a:fld>
             <a:endParaRPr lang="en-US"/>
           </a:p>
@@ -2832,7 +2865,7 @@
           <a:p>
             <a:fld id="{2D842D25-5106-1E49-B54B-D27D091CFF44}" type="datetimeFigureOut">
               <a:rPr lang="en-US" smtClean="0"/>
-              <a:t>7/24/21</a:t>
+              <a:t>8/2/21</a:t>
             </a:fld>
             <a:endParaRPr lang="en-US"/>
           </a:p>
@@ -3120,7 +3153,7 @@
           <a:p>
             <a:fld id="{2D842D25-5106-1E49-B54B-D27D091CFF44}" type="datetimeFigureOut">
               <a:rPr lang="en-US" smtClean="0"/>
-              <a:t>7/24/21</a:t>
+              <a:t>8/2/21</a:t>
             </a:fld>
             <a:endParaRPr lang="en-US"/>
           </a:p>
@@ -3361,7 +3394,7 @@
           <a:p>
             <a:fld id="{2D842D25-5106-1E49-B54B-D27D091CFF44}" type="datetimeFigureOut">
               <a:rPr lang="en-US" smtClean="0"/>
-              <a:t>7/24/21</a:t>
+              <a:t>8/2/21</a:t>
             </a:fld>
             <a:endParaRPr lang="en-US"/>
           </a:p>
@@ -4574,6 +4607,158 @@
 </p:sld>
 </file>
 
+<file path=ppt/slides/slide18.xml><?xml version="1.0" encoding="utf-8"?>
+<p:sld xmlns:a="http://schemas.openxmlformats.org/drawingml/2006/main" xmlns:r="http://schemas.openxmlformats.org/officeDocument/2006/relationships" xmlns:p="http://schemas.openxmlformats.org/presentationml/2006/main">
+  <p:cSld>
+    <p:spTree>
+      <p:nvGrpSpPr>
+        <p:cNvPr id="1" name=""/>
+        <p:cNvGrpSpPr/>
+        <p:nvPr/>
+      </p:nvGrpSpPr>
+      <p:grpSpPr>
+        <a:xfrm>
+          <a:off x="0" y="0"/>
+          <a:ext cx="0" cy="0"/>
+          <a:chOff x="0" y="0"/>
+          <a:chExt cx="0" cy="0"/>
+        </a:xfrm>
+      </p:grpSpPr>
+      <p:sp>
+        <p:nvSpPr>
+          <p:cNvPr id="2" name="Title 1">
+            <a:extLst>
+              <a:ext uri="{FF2B5EF4-FFF2-40B4-BE49-F238E27FC236}">
+                <a16:creationId xmlns:a16="http://schemas.microsoft.com/office/drawing/2014/main" id="{FE9C7838-326C-3946-9829-DE6D69CA8960}"/>
+              </a:ext>
+            </a:extLst>
+          </p:cNvPr>
+          <p:cNvSpPr>
+            <a:spLocks noGrp="1"/>
+          </p:cNvSpPr>
+          <p:nvPr>
+            <p:ph type="title"/>
+          </p:nvPr>
+        </p:nvSpPr>
+        <p:spPr/>
+        <p:txBody>
+          <a:bodyPr/>
+          <a:lstStyle/>
+          <a:p>
+            <a:r>
+              <a:rPr lang="en-US" dirty="0" err="1"/>
+              <a:t>Exonic</a:t>
+            </a:r>
+            <a:r>
+              <a:rPr lang="en-US" dirty="0"/>
+              <a:t> vs Non-</a:t>
+            </a:r>
+            <a:r>
+              <a:rPr lang="en-US" dirty="0" err="1"/>
+              <a:t>Exonic</a:t>
+            </a:r>
+            <a:endParaRPr lang="en-US" dirty="0"/>
+          </a:p>
+        </p:txBody>
+      </p:sp>
+      <p:sp>
+        <p:nvSpPr>
+          <p:cNvPr id="3" name="Text Placeholder 2">
+            <a:extLst>
+              <a:ext uri="{FF2B5EF4-FFF2-40B4-BE49-F238E27FC236}">
+                <a16:creationId xmlns:a16="http://schemas.microsoft.com/office/drawing/2014/main" id="{4065BCDB-2C80-6545-B1CF-8DC5EF11941B}"/>
+              </a:ext>
+            </a:extLst>
+          </p:cNvPr>
+          <p:cNvSpPr>
+            <a:spLocks noGrp="1"/>
+          </p:cNvSpPr>
+          <p:nvPr>
+            <p:ph type="body" idx="1"/>
+          </p:nvPr>
+        </p:nvSpPr>
+        <p:spPr/>
+        <p:txBody>
+          <a:bodyPr/>
+          <a:lstStyle/>
+          <a:p>
+            <a:endParaRPr lang="en-US"/>
+          </a:p>
+        </p:txBody>
+      </p:sp>
+    </p:spTree>
+    <p:extLst>
+      <p:ext uri="{BB962C8B-B14F-4D97-AF65-F5344CB8AC3E}">
+        <p14:creationId xmlns:p14="http://schemas.microsoft.com/office/powerpoint/2010/main" val="3169095813"/>
+      </p:ext>
+    </p:extLst>
+  </p:cSld>
+  <p:clrMapOvr>
+    <a:masterClrMapping/>
+  </p:clrMapOvr>
+</p:sld>
+</file>
+
+<file path=ppt/slides/slide19.xml><?xml version="1.0" encoding="utf-8"?>
+<p:sld xmlns:a="http://schemas.openxmlformats.org/drawingml/2006/main" xmlns:r="http://schemas.openxmlformats.org/officeDocument/2006/relationships" xmlns:p="http://schemas.openxmlformats.org/presentationml/2006/main">
+  <p:cSld>
+    <p:spTree>
+      <p:nvGrpSpPr>
+        <p:cNvPr id="1" name=""/>
+        <p:cNvGrpSpPr/>
+        <p:nvPr/>
+      </p:nvGrpSpPr>
+      <p:grpSpPr>
+        <a:xfrm>
+          <a:off x="0" y="0"/>
+          <a:ext cx="0" cy="0"/>
+          <a:chOff x="0" y="0"/>
+          <a:chExt cx="0" cy="0"/>
+        </a:xfrm>
+      </p:grpSpPr>
+      <p:pic>
+        <p:nvPicPr>
+          <p:cNvPr id="2" name="Picture 1">
+            <a:extLst>
+              <a:ext uri="{FF2B5EF4-FFF2-40B4-BE49-F238E27FC236}">
+                <a16:creationId xmlns:a16="http://schemas.microsoft.com/office/drawing/2014/main" id="{86FA220C-BD8B-1941-A918-3408927651BD}"/>
+              </a:ext>
+            </a:extLst>
+          </p:cNvPr>
+          <p:cNvPicPr>
+            <a:picLocks noChangeAspect="1"/>
+          </p:cNvPicPr>
+          <p:nvPr/>
+        </p:nvPicPr>
+        <p:blipFill>
+          <a:blip r:embed="rId2"/>
+          <a:stretch>
+            <a:fillRect/>
+          </a:stretch>
+        </p:blipFill>
+        <p:spPr>
+          <a:xfrm>
+            <a:off x="2193247" y="547168"/>
+            <a:ext cx="8050088" cy="5740984"/>
+          </a:xfrm>
+          <a:prstGeom prst="rect">
+            <a:avLst/>
+          </a:prstGeom>
+        </p:spPr>
+      </p:pic>
+    </p:spTree>
+    <p:extLst>
+      <p:ext uri="{BB962C8B-B14F-4D97-AF65-F5344CB8AC3E}">
+        <p14:creationId xmlns:p14="http://schemas.microsoft.com/office/powerpoint/2010/main" val="3622720618"/>
+      </p:ext>
+    </p:extLst>
+  </p:cSld>
+  <p:clrMapOvr>
+    <a:masterClrMapping/>
+  </p:clrMapOvr>
+</p:sld>
+</file>
+
 <file path=ppt/slides/slide2.xml><?xml version="1.0" encoding="utf-8"?>
 <p:sld xmlns:a="http://schemas.openxmlformats.org/drawingml/2006/main" xmlns:r="http://schemas.openxmlformats.org/officeDocument/2006/relationships" xmlns:p="http://schemas.openxmlformats.org/presentationml/2006/main">
   <p:cSld>
@@ -4684,6 +4869,606 @@
     <p:extLst>
       <p:ext uri="{BB962C8B-B14F-4D97-AF65-F5344CB8AC3E}">
         <p14:creationId xmlns:p14="http://schemas.microsoft.com/office/powerpoint/2010/main" val="4164743182"/>
+      </p:ext>
+    </p:extLst>
+  </p:cSld>
+  <p:clrMapOvr>
+    <a:masterClrMapping/>
+  </p:clrMapOvr>
+</p:sld>
+</file>
+
+<file path=ppt/slides/slide20.xml><?xml version="1.0" encoding="utf-8"?>
+<p:sld xmlns:a="http://schemas.openxmlformats.org/drawingml/2006/main" xmlns:r="http://schemas.openxmlformats.org/officeDocument/2006/relationships" xmlns:p="http://schemas.openxmlformats.org/presentationml/2006/main">
+  <p:cSld>
+    <p:spTree>
+      <p:nvGrpSpPr>
+        <p:cNvPr id="1" name=""/>
+        <p:cNvGrpSpPr/>
+        <p:nvPr/>
+      </p:nvGrpSpPr>
+      <p:grpSpPr>
+        <a:xfrm>
+          <a:off x="0" y="0"/>
+          <a:ext cx="0" cy="0"/>
+          <a:chOff x="0" y="0"/>
+          <a:chExt cx="0" cy="0"/>
+        </a:xfrm>
+      </p:grpSpPr>
+      <p:pic>
+        <p:nvPicPr>
+          <p:cNvPr id="2" name="Picture 1">
+            <a:extLst>
+              <a:ext uri="{FF2B5EF4-FFF2-40B4-BE49-F238E27FC236}">
+                <a16:creationId xmlns:a16="http://schemas.microsoft.com/office/drawing/2014/main" id="{EABE1D2B-DABC-274A-8EC8-1B8E8938CA91}"/>
+              </a:ext>
+            </a:extLst>
+          </p:cNvPr>
+          <p:cNvPicPr>
+            <a:picLocks noChangeAspect="1"/>
+          </p:cNvPicPr>
+          <p:nvPr/>
+        </p:nvPicPr>
+        <p:blipFill>
+          <a:blip r:embed="rId2"/>
+          <a:stretch>
+            <a:fillRect/>
+          </a:stretch>
+        </p:blipFill>
+        <p:spPr>
+          <a:xfrm>
+            <a:off x="2119900" y="526623"/>
+            <a:ext cx="8294480" cy="5915274"/>
+          </a:xfrm>
+          <a:prstGeom prst="rect">
+            <a:avLst/>
+          </a:prstGeom>
+        </p:spPr>
+      </p:pic>
+    </p:spTree>
+    <p:extLst>
+      <p:ext uri="{BB962C8B-B14F-4D97-AF65-F5344CB8AC3E}">
+        <p14:creationId xmlns:p14="http://schemas.microsoft.com/office/powerpoint/2010/main" val="2085135053"/>
+      </p:ext>
+    </p:extLst>
+  </p:cSld>
+  <p:clrMapOvr>
+    <a:masterClrMapping/>
+  </p:clrMapOvr>
+</p:sld>
+</file>
+
+<file path=ppt/slides/slide21.xml><?xml version="1.0" encoding="utf-8"?>
+<p:sld xmlns:a="http://schemas.openxmlformats.org/drawingml/2006/main" xmlns:r="http://schemas.openxmlformats.org/officeDocument/2006/relationships" xmlns:p="http://schemas.openxmlformats.org/presentationml/2006/main">
+  <p:cSld>
+    <p:spTree>
+      <p:nvGrpSpPr>
+        <p:cNvPr id="1" name=""/>
+        <p:cNvGrpSpPr/>
+        <p:nvPr/>
+      </p:nvGrpSpPr>
+      <p:grpSpPr>
+        <a:xfrm>
+          <a:off x="0" y="0"/>
+          <a:ext cx="0" cy="0"/>
+          <a:chOff x="0" y="0"/>
+          <a:chExt cx="0" cy="0"/>
+        </a:xfrm>
+      </p:grpSpPr>
+      <p:pic>
+        <p:nvPicPr>
+          <p:cNvPr id="2" name="Picture 1">
+            <a:extLst>
+              <a:ext uri="{FF2B5EF4-FFF2-40B4-BE49-F238E27FC236}">
+                <a16:creationId xmlns:a16="http://schemas.microsoft.com/office/drawing/2014/main" id="{B562B8C0-C890-E842-B8F4-DDFAFCD2DC36}"/>
+              </a:ext>
+            </a:extLst>
+          </p:cNvPr>
+          <p:cNvPicPr>
+            <a:picLocks noChangeAspect="1"/>
+          </p:cNvPicPr>
+          <p:nvPr/>
+        </p:nvPicPr>
+        <p:blipFill>
+          <a:blip r:embed="rId2"/>
+          <a:stretch>
+            <a:fillRect/>
+          </a:stretch>
+        </p:blipFill>
+        <p:spPr>
+          <a:xfrm>
+            <a:off x="2419279" y="577991"/>
+            <a:ext cx="8029540" cy="5726330"/>
+          </a:xfrm>
+          <a:prstGeom prst="rect">
+            <a:avLst/>
+          </a:prstGeom>
+        </p:spPr>
+      </p:pic>
+    </p:spTree>
+    <p:extLst>
+      <p:ext uri="{BB962C8B-B14F-4D97-AF65-F5344CB8AC3E}">
+        <p14:creationId xmlns:p14="http://schemas.microsoft.com/office/powerpoint/2010/main" val="1088950498"/>
+      </p:ext>
+    </p:extLst>
+  </p:cSld>
+  <p:clrMapOvr>
+    <a:masterClrMapping/>
+  </p:clrMapOvr>
+</p:sld>
+</file>
+
+<file path=ppt/slides/slide22.xml><?xml version="1.0" encoding="utf-8"?>
+<p:sld xmlns:a="http://schemas.openxmlformats.org/drawingml/2006/main" xmlns:r="http://schemas.openxmlformats.org/officeDocument/2006/relationships" xmlns:p="http://schemas.openxmlformats.org/presentationml/2006/main">
+  <p:cSld>
+    <p:spTree>
+      <p:nvGrpSpPr>
+        <p:cNvPr id="1" name=""/>
+        <p:cNvGrpSpPr/>
+        <p:nvPr/>
+      </p:nvGrpSpPr>
+      <p:grpSpPr>
+        <a:xfrm>
+          <a:off x="0" y="0"/>
+          <a:ext cx="0" cy="0"/>
+          <a:chOff x="0" y="0"/>
+          <a:chExt cx="0" cy="0"/>
+        </a:xfrm>
+      </p:grpSpPr>
+      <p:pic>
+        <p:nvPicPr>
+          <p:cNvPr id="2" name="Picture 1">
+            <a:extLst>
+              <a:ext uri="{FF2B5EF4-FFF2-40B4-BE49-F238E27FC236}">
+                <a16:creationId xmlns:a16="http://schemas.microsoft.com/office/drawing/2014/main" id="{3E0A01A6-D114-C94C-B6FE-FB422E0B43DB}"/>
+              </a:ext>
+            </a:extLst>
+          </p:cNvPr>
+          <p:cNvPicPr>
+            <a:picLocks noChangeAspect="1"/>
+          </p:cNvPicPr>
+          <p:nvPr/>
+        </p:nvPicPr>
+        <p:blipFill>
+          <a:blip r:embed="rId2"/>
+          <a:stretch>
+            <a:fillRect/>
+          </a:stretch>
+        </p:blipFill>
+        <p:spPr>
+          <a:xfrm>
+            <a:off x="2285713" y="462551"/>
+            <a:ext cx="8409683" cy="5997432"/>
+          </a:xfrm>
+          <a:prstGeom prst="rect">
+            <a:avLst/>
+          </a:prstGeom>
+        </p:spPr>
+      </p:pic>
+    </p:spTree>
+    <p:extLst>
+      <p:ext uri="{BB962C8B-B14F-4D97-AF65-F5344CB8AC3E}">
+        <p14:creationId xmlns:p14="http://schemas.microsoft.com/office/powerpoint/2010/main" val="802548863"/>
+      </p:ext>
+    </p:extLst>
+  </p:cSld>
+  <p:clrMapOvr>
+    <a:masterClrMapping/>
+  </p:clrMapOvr>
+</p:sld>
+</file>
+
+<file path=ppt/slides/slide23.xml><?xml version="1.0" encoding="utf-8"?>
+<p:sld xmlns:a="http://schemas.openxmlformats.org/drawingml/2006/main" xmlns:r="http://schemas.openxmlformats.org/officeDocument/2006/relationships" xmlns:p="http://schemas.openxmlformats.org/presentationml/2006/main">
+  <p:cSld>
+    <p:spTree>
+      <p:nvGrpSpPr>
+        <p:cNvPr id="1" name=""/>
+        <p:cNvGrpSpPr/>
+        <p:nvPr/>
+      </p:nvGrpSpPr>
+      <p:grpSpPr>
+        <a:xfrm>
+          <a:off x="0" y="0"/>
+          <a:ext cx="0" cy="0"/>
+          <a:chOff x="0" y="0"/>
+          <a:chExt cx="0" cy="0"/>
+        </a:xfrm>
+      </p:grpSpPr>
+      <p:pic>
+        <p:nvPicPr>
+          <p:cNvPr id="2" name="Picture 1">
+            <a:extLst>
+              <a:ext uri="{FF2B5EF4-FFF2-40B4-BE49-F238E27FC236}">
+                <a16:creationId xmlns:a16="http://schemas.microsoft.com/office/drawing/2014/main" id="{833D81A7-E5FD-A246-899B-CF4DB78ED00B}"/>
+              </a:ext>
+            </a:extLst>
+          </p:cNvPr>
+          <p:cNvPicPr>
+            <a:picLocks noChangeAspect="1"/>
+          </p:cNvPicPr>
+          <p:nvPr/>
+        </p:nvPicPr>
+        <p:blipFill>
+          <a:blip r:embed="rId2"/>
+          <a:stretch>
+            <a:fillRect/>
+          </a:stretch>
+        </p:blipFill>
+        <p:spPr>
+          <a:xfrm>
+            <a:off x="2182973" y="809232"/>
+            <a:ext cx="7653290" cy="5458004"/>
+          </a:xfrm>
+          <a:prstGeom prst="rect">
+            <a:avLst/>
+          </a:prstGeom>
+        </p:spPr>
+      </p:pic>
+    </p:spTree>
+    <p:extLst>
+      <p:ext uri="{BB962C8B-B14F-4D97-AF65-F5344CB8AC3E}">
+        <p14:creationId xmlns:p14="http://schemas.microsoft.com/office/powerpoint/2010/main" val="3194444476"/>
+      </p:ext>
+    </p:extLst>
+  </p:cSld>
+  <p:clrMapOvr>
+    <a:masterClrMapping/>
+  </p:clrMapOvr>
+</p:sld>
+</file>
+
+<file path=ppt/slides/slide24.xml><?xml version="1.0" encoding="utf-8"?>
+<p:sld xmlns:a="http://schemas.openxmlformats.org/drawingml/2006/main" xmlns:r="http://schemas.openxmlformats.org/officeDocument/2006/relationships" xmlns:p="http://schemas.openxmlformats.org/presentationml/2006/main">
+  <p:cSld>
+    <p:spTree>
+      <p:nvGrpSpPr>
+        <p:cNvPr id="1" name=""/>
+        <p:cNvGrpSpPr/>
+        <p:nvPr/>
+      </p:nvGrpSpPr>
+      <p:grpSpPr>
+        <a:xfrm>
+          <a:off x="0" y="0"/>
+          <a:ext cx="0" cy="0"/>
+          <a:chOff x="0" y="0"/>
+          <a:chExt cx="0" cy="0"/>
+        </a:xfrm>
+      </p:grpSpPr>
+      <p:pic>
+        <p:nvPicPr>
+          <p:cNvPr id="2" name="Picture 1">
+            <a:extLst>
+              <a:ext uri="{FF2B5EF4-FFF2-40B4-BE49-F238E27FC236}">
+                <a16:creationId xmlns:a16="http://schemas.microsoft.com/office/drawing/2014/main" id="{71CD8EC2-A9E0-7A42-97D3-0BA1536DF127}"/>
+              </a:ext>
+            </a:extLst>
+          </p:cNvPr>
+          <p:cNvPicPr>
+            <a:picLocks noChangeAspect="1"/>
+          </p:cNvPicPr>
+          <p:nvPr/>
+        </p:nvPicPr>
+        <p:blipFill>
+          <a:blip r:embed="rId2"/>
+          <a:stretch>
+            <a:fillRect/>
+          </a:stretch>
+        </p:blipFill>
+        <p:spPr>
+          <a:xfrm>
+            <a:off x="2439826" y="716765"/>
+            <a:ext cx="7998717" cy="5704348"/>
+          </a:xfrm>
+          <a:prstGeom prst="rect">
+            <a:avLst/>
+          </a:prstGeom>
+        </p:spPr>
+      </p:pic>
+    </p:spTree>
+    <p:extLst>
+      <p:ext uri="{BB962C8B-B14F-4D97-AF65-F5344CB8AC3E}">
+        <p14:creationId xmlns:p14="http://schemas.microsoft.com/office/powerpoint/2010/main" val="1494928488"/>
+      </p:ext>
+    </p:extLst>
+  </p:cSld>
+  <p:clrMapOvr>
+    <a:masterClrMapping/>
+  </p:clrMapOvr>
+</p:sld>
+</file>
+
+<file path=ppt/slides/slide25.xml><?xml version="1.0" encoding="utf-8"?>
+<p:sld xmlns:a="http://schemas.openxmlformats.org/drawingml/2006/main" xmlns:r="http://schemas.openxmlformats.org/officeDocument/2006/relationships" xmlns:p="http://schemas.openxmlformats.org/presentationml/2006/main">
+  <p:cSld>
+    <p:spTree>
+      <p:nvGrpSpPr>
+        <p:cNvPr id="1" name=""/>
+        <p:cNvGrpSpPr/>
+        <p:nvPr/>
+      </p:nvGrpSpPr>
+      <p:grpSpPr>
+        <a:xfrm>
+          <a:off x="0" y="0"/>
+          <a:ext cx="0" cy="0"/>
+          <a:chOff x="0" y="0"/>
+          <a:chExt cx="0" cy="0"/>
+        </a:xfrm>
+      </p:grpSpPr>
+      <p:pic>
+        <p:nvPicPr>
+          <p:cNvPr id="2" name="Picture 1">
+            <a:extLst>
+              <a:ext uri="{FF2B5EF4-FFF2-40B4-BE49-F238E27FC236}">
+                <a16:creationId xmlns:a16="http://schemas.microsoft.com/office/drawing/2014/main" id="{3CC5E6B4-754C-E246-87E0-B94FFB14BC61}"/>
+              </a:ext>
+            </a:extLst>
+          </p:cNvPr>
+          <p:cNvPicPr>
+            <a:picLocks noChangeAspect="1"/>
+          </p:cNvPicPr>
+          <p:nvPr/>
+        </p:nvPicPr>
+        <p:blipFill>
+          <a:blip r:embed="rId2"/>
+          <a:stretch>
+            <a:fillRect/>
+          </a:stretch>
+        </p:blipFill>
+        <p:spPr>
+          <a:xfrm>
+            <a:off x="2234344" y="495799"/>
+            <a:ext cx="7617372" cy="5432389"/>
+          </a:xfrm>
+          <a:prstGeom prst="rect">
+            <a:avLst/>
+          </a:prstGeom>
+        </p:spPr>
+      </p:pic>
+    </p:spTree>
+    <p:extLst>
+      <p:ext uri="{BB962C8B-B14F-4D97-AF65-F5344CB8AC3E}">
+        <p14:creationId xmlns:p14="http://schemas.microsoft.com/office/powerpoint/2010/main" val="1949973960"/>
+      </p:ext>
+    </p:extLst>
+  </p:cSld>
+  <p:clrMapOvr>
+    <a:masterClrMapping/>
+  </p:clrMapOvr>
+</p:sld>
+</file>
+
+<file path=ppt/slides/slide26.xml><?xml version="1.0" encoding="utf-8"?>
+<p:sld xmlns:a="http://schemas.openxmlformats.org/drawingml/2006/main" xmlns:r="http://schemas.openxmlformats.org/officeDocument/2006/relationships" xmlns:p="http://schemas.openxmlformats.org/presentationml/2006/main">
+  <p:cSld>
+    <p:spTree>
+      <p:nvGrpSpPr>
+        <p:cNvPr id="1" name=""/>
+        <p:cNvGrpSpPr/>
+        <p:nvPr/>
+      </p:nvGrpSpPr>
+      <p:grpSpPr>
+        <a:xfrm>
+          <a:off x="0" y="0"/>
+          <a:ext cx="0" cy="0"/>
+          <a:chOff x="0" y="0"/>
+          <a:chExt cx="0" cy="0"/>
+        </a:xfrm>
+      </p:grpSpPr>
+      <p:pic>
+        <p:nvPicPr>
+          <p:cNvPr id="2" name="Picture 1">
+            <a:extLst>
+              <a:ext uri="{FF2B5EF4-FFF2-40B4-BE49-F238E27FC236}">
+                <a16:creationId xmlns:a16="http://schemas.microsoft.com/office/drawing/2014/main" id="{E662F8BE-57FC-F64D-8213-212FB9486B45}"/>
+              </a:ext>
+            </a:extLst>
+          </p:cNvPr>
+          <p:cNvPicPr>
+            <a:picLocks noChangeAspect="1"/>
+          </p:cNvPicPr>
+          <p:nvPr/>
+        </p:nvPicPr>
+        <p:blipFill>
+          <a:blip r:embed="rId2"/>
+          <a:stretch>
+            <a:fillRect/>
+          </a:stretch>
+        </p:blipFill>
+        <p:spPr>
+          <a:xfrm>
+            <a:off x="2028859" y="711557"/>
+            <a:ext cx="7747031" cy="5524856"/>
+          </a:xfrm>
+          <a:prstGeom prst="rect">
+            <a:avLst/>
+          </a:prstGeom>
+        </p:spPr>
+      </p:pic>
+    </p:spTree>
+    <p:extLst>
+      <p:ext uri="{BB962C8B-B14F-4D97-AF65-F5344CB8AC3E}">
+        <p14:creationId xmlns:p14="http://schemas.microsoft.com/office/powerpoint/2010/main" val="1544514245"/>
+      </p:ext>
+    </p:extLst>
+  </p:cSld>
+  <p:clrMapOvr>
+    <a:masterClrMapping/>
+  </p:clrMapOvr>
+</p:sld>
+</file>
+
+<file path=ppt/slides/slide27.xml><?xml version="1.0" encoding="utf-8"?>
+<p:sld xmlns:a="http://schemas.openxmlformats.org/drawingml/2006/main" xmlns:r="http://schemas.openxmlformats.org/officeDocument/2006/relationships" xmlns:p="http://schemas.openxmlformats.org/presentationml/2006/main">
+  <p:cSld>
+    <p:spTree>
+      <p:nvGrpSpPr>
+        <p:cNvPr id="1" name=""/>
+        <p:cNvGrpSpPr/>
+        <p:nvPr/>
+      </p:nvGrpSpPr>
+      <p:grpSpPr>
+        <a:xfrm>
+          <a:off x="0" y="0"/>
+          <a:ext cx="0" cy="0"/>
+          <a:chOff x="0" y="0"/>
+          <a:chExt cx="0" cy="0"/>
+        </a:xfrm>
+      </p:grpSpPr>
+      <p:pic>
+        <p:nvPicPr>
+          <p:cNvPr id="2" name="Picture 1">
+            <a:extLst>
+              <a:ext uri="{FF2B5EF4-FFF2-40B4-BE49-F238E27FC236}">
+                <a16:creationId xmlns:a16="http://schemas.microsoft.com/office/drawing/2014/main" id="{E3D92820-09C1-034C-A279-B017771A38E5}"/>
+              </a:ext>
+            </a:extLst>
+          </p:cNvPr>
+          <p:cNvPicPr>
+            <a:picLocks noChangeAspect="1"/>
+          </p:cNvPicPr>
+          <p:nvPr/>
+        </p:nvPicPr>
+        <p:blipFill>
+          <a:blip r:embed="rId2"/>
+          <a:stretch>
+            <a:fillRect/>
+          </a:stretch>
+        </p:blipFill>
+        <p:spPr>
+          <a:xfrm>
+            <a:off x="2213795" y="454702"/>
+            <a:ext cx="8132282" cy="5799601"/>
+          </a:xfrm>
+          <a:prstGeom prst="rect">
+            <a:avLst/>
+          </a:prstGeom>
+        </p:spPr>
+      </p:pic>
+    </p:spTree>
+    <p:extLst>
+      <p:ext uri="{BB962C8B-B14F-4D97-AF65-F5344CB8AC3E}">
+        <p14:creationId xmlns:p14="http://schemas.microsoft.com/office/powerpoint/2010/main" val="633127256"/>
+      </p:ext>
+    </p:extLst>
+  </p:cSld>
+  <p:clrMapOvr>
+    <a:masterClrMapping/>
+  </p:clrMapOvr>
+</p:sld>
+</file>
+
+<file path=ppt/slides/slide28.xml><?xml version="1.0" encoding="utf-8"?>
+<p:sld xmlns:a="http://schemas.openxmlformats.org/drawingml/2006/main" xmlns:r="http://schemas.openxmlformats.org/officeDocument/2006/relationships" xmlns:p="http://schemas.openxmlformats.org/presentationml/2006/main">
+  <p:cSld>
+    <p:spTree>
+      <p:nvGrpSpPr>
+        <p:cNvPr id="1" name=""/>
+        <p:cNvGrpSpPr/>
+        <p:nvPr/>
+      </p:nvGrpSpPr>
+      <p:grpSpPr>
+        <a:xfrm>
+          <a:off x="0" y="0"/>
+          <a:ext cx="0" cy="0"/>
+          <a:chOff x="0" y="0"/>
+          <a:chExt cx="0" cy="0"/>
+        </a:xfrm>
+      </p:grpSpPr>
+      <p:pic>
+        <p:nvPicPr>
+          <p:cNvPr id="2" name="Picture 1">
+            <a:extLst>
+              <a:ext uri="{FF2B5EF4-FFF2-40B4-BE49-F238E27FC236}">
+                <a16:creationId xmlns:a16="http://schemas.microsoft.com/office/drawing/2014/main" id="{D22490CA-0844-1840-A48C-1AF5049ACC17}"/>
+              </a:ext>
+            </a:extLst>
+          </p:cNvPr>
+          <p:cNvPicPr>
+            <a:picLocks noChangeAspect="1"/>
+          </p:cNvPicPr>
+          <p:nvPr/>
+        </p:nvPicPr>
+        <p:blipFill>
+          <a:blip r:embed="rId2"/>
+          <a:stretch>
+            <a:fillRect/>
+          </a:stretch>
+        </p:blipFill>
+        <p:spPr>
+          <a:xfrm>
+            <a:off x="2257318" y="500971"/>
+            <a:ext cx="7927062" cy="5653247"/>
+          </a:xfrm>
+          <a:prstGeom prst="rect">
+            <a:avLst/>
+          </a:prstGeom>
+        </p:spPr>
+      </p:pic>
+    </p:spTree>
+    <p:extLst>
+      <p:ext uri="{BB962C8B-B14F-4D97-AF65-F5344CB8AC3E}">
+        <p14:creationId xmlns:p14="http://schemas.microsoft.com/office/powerpoint/2010/main" val="4063225980"/>
+      </p:ext>
+    </p:extLst>
+  </p:cSld>
+  <p:clrMapOvr>
+    <a:masterClrMapping/>
+  </p:clrMapOvr>
+</p:sld>
+</file>
+
+<file path=ppt/slides/slide29.xml><?xml version="1.0" encoding="utf-8"?>
+<p:sld xmlns:a="http://schemas.openxmlformats.org/drawingml/2006/main" xmlns:r="http://schemas.openxmlformats.org/officeDocument/2006/relationships" xmlns:p="http://schemas.openxmlformats.org/presentationml/2006/main">
+  <p:cSld>
+    <p:spTree>
+      <p:nvGrpSpPr>
+        <p:cNvPr id="1" name=""/>
+        <p:cNvGrpSpPr/>
+        <p:nvPr/>
+      </p:nvGrpSpPr>
+      <p:grpSpPr>
+        <a:xfrm>
+          <a:off x="0" y="0"/>
+          <a:ext cx="0" cy="0"/>
+          <a:chOff x="0" y="0"/>
+          <a:chExt cx="0" cy="0"/>
+        </a:xfrm>
+      </p:grpSpPr>
+      <p:pic>
+        <p:nvPicPr>
+          <p:cNvPr id="2" name="Picture 1">
+            <a:extLst>
+              <a:ext uri="{FF2B5EF4-FFF2-40B4-BE49-F238E27FC236}">
+                <a16:creationId xmlns:a16="http://schemas.microsoft.com/office/drawing/2014/main" id="{3A95F120-70D4-8543-B0DF-AB50DD51CB88}"/>
+              </a:ext>
+            </a:extLst>
+          </p:cNvPr>
+          <p:cNvPicPr>
+            <a:picLocks noChangeAspect="1"/>
+          </p:cNvPicPr>
+          <p:nvPr/>
+        </p:nvPicPr>
+        <p:blipFill>
+          <a:blip r:embed="rId2"/>
+          <a:stretch>
+            <a:fillRect/>
+          </a:stretch>
+        </p:blipFill>
+        <p:spPr>
+          <a:xfrm>
+            <a:off x="2202094" y="557443"/>
+            <a:ext cx="8078384" cy="5761163"/>
+          </a:xfrm>
+          <a:prstGeom prst="rect">
+            <a:avLst/>
+          </a:prstGeom>
+        </p:spPr>
+      </p:pic>
+    </p:spTree>
+    <p:extLst>
+      <p:ext uri="{BB962C8B-B14F-4D97-AF65-F5344CB8AC3E}">
+        <p14:creationId xmlns:p14="http://schemas.microsoft.com/office/powerpoint/2010/main" val="3212736593"/>
       </p:ext>
     </p:extLst>
   </p:cSld>
@@ -4917,6 +5702,640 @@
 </p:sld>
 </file>
 
+<file path=ppt/slides/slide30.xml><?xml version="1.0" encoding="utf-8"?>
+<p:sld xmlns:a="http://schemas.openxmlformats.org/drawingml/2006/main" xmlns:r="http://schemas.openxmlformats.org/officeDocument/2006/relationships" xmlns:p="http://schemas.openxmlformats.org/presentationml/2006/main">
+  <p:cSld>
+    <p:spTree>
+      <p:nvGrpSpPr>
+        <p:cNvPr id="1" name=""/>
+        <p:cNvGrpSpPr/>
+        <p:nvPr/>
+      </p:nvGrpSpPr>
+      <p:grpSpPr>
+        <a:xfrm>
+          <a:off x="0" y="0"/>
+          <a:ext cx="0" cy="0"/>
+          <a:chOff x="0" y="0"/>
+          <a:chExt cx="0" cy="0"/>
+        </a:xfrm>
+      </p:grpSpPr>
+      <p:pic>
+        <p:nvPicPr>
+          <p:cNvPr id="2" name="Picture 1">
+            <a:extLst>
+              <a:ext uri="{FF2B5EF4-FFF2-40B4-BE49-F238E27FC236}">
+                <a16:creationId xmlns:a16="http://schemas.microsoft.com/office/drawing/2014/main" id="{B8ABBCCB-EFFD-6F43-A5A4-D728DF924F48}"/>
+              </a:ext>
+            </a:extLst>
+          </p:cNvPr>
+          <p:cNvPicPr>
+            <a:picLocks noChangeAspect="1"/>
+          </p:cNvPicPr>
+          <p:nvPr/>
+        </p:nvPicPr>
+        <p:blipFill>
+          <a:blip r:embed="rId2"/>
+          <a:stretch>
+            <a:fillRect/>
+          </a:stretch>
+        </p:blipFill>
+        <p:spPr>
+          <a:xfrm>
+            <a:off x="2201093" y="521377"/>
+            <a:ext cx="8124433" cy="5794004"/>
+          </a:xfrm>
+          <a:prstGeom prst="rect">
+            <a:avLst/>
+          </a:prstGeom>
+        </p:spPr>
+      </p:pic>
+    </p:spTree>
+    <p:extLst>
+      <p:ext uri="{BB962C8B-B14F-4D97-AF65-F5344CB8AC3E}">
+        <p14:creationId xmlns:p14="http://schemas.microsoft.com/office/powerpoint/2010/main" val="2464124396"/>
+      </p:ext>
+    </p:extLst>
+  </p:cSld>
+  <p:clrMapOvr>
+    <a:masterClrMapping/>
+  </p:clrMapOvr>
+</p:sld>
+</file>
+
+<file path=ppt/slides/slide31.xml><?xml version="1.0" encoding="utf-8"?>
+<p:sld xmlns:a="http://schemas.openxmlformats.org/drawingml/2006/main" xmlns:r="http://schemas.openxmlformats.org/officeDocument/2006/relationships" xmlns:p="http://schemas.openxmlformats.org/presentationml/2006/main">
+  <p:cSld>
+    <p:spTree>
+      <p:nvGrpSpPr>
+        <p:cNvPr id="1" name=""/>
+        <p:cNvGrpSpPr/>
+        <p:nvPr/>
+      </p:nvGrpSpPr>
+      <p:grpSpPr>
+        <a:xfrm>
+          <a:off x="0" y="0"/>
+          <a:ext cx="0" cy="0"/>
+          <a:chOff x="0" y="0"/>
+          <a:chExt cx="0" cy="0"/>
+        </a:xfrm>
+      </p:grpSpPr>
+      <p:pic>
+        <p:nvPicPr>
+          <p:cNvPr id="2" name="Picture 1">
+            <a:extLst>
+              <a:ext uri="{FF2B5EF4-FFF2-40B4-BE49-F238E27FC236}">
+                <a16:creationId xmlns:a16="http://schemas.microsoft.com/office/drawing/2014/main" id="{95F462F5-40CC-2A48-A5D9-465217CF73E5}"/>
+              </a:ext>
+            </a:extLst>
+          </p:cNvPr>
+          <p:cNvPicPr>
+            <a:picLocks noChangeAspect="1"/>
+          </p:cNvPicPr>
+          <p:nvPr/>
+        </p:nvPicPr>
+        <p:blipFill>
+          <a:blip r:embed="rId2"/>
+          <a:stretch>
+            <a:fillRect/>
+          </a:stretch>
+        </p:blipFill>
+        <p:spPr>
+          <a:xfrm>
+            <a:off x="2154576" y="459857"/>
+            <a:ext cx="8345612" cy="5951739"/>
+          </a:xfrm>
+          <a:prstGeom prst="rect">
+            <a:avLst/>
+          </a:prstGeom>
+        </p:spPr>
+      </p:pic>
+    </p:spTree>
+    <p:extLst>
+      <p:ext uri="{BB962C8B-B14F-4D97-AF65-F5344CB8AC3E}">
+        <p14:creationId xmlns:p14="http://schemas.microsoft.com/office/powerpoint/2010/main" val="1175025275"/>
+      </p:ext>
+    </p:extLst>
+  </p:cSld>
+  <p:clrMapOvr>
+    <a:masterClrMapping/>
+  </p:clrMapOvr>
+</p:sld>
+</file>
+
+<file path=ppt/slides/slide32.xml><?xml version="1.0" encoding="utf-8"?>
+<p:sld xmlns:a="http://schemas.openxmlformats.org/drawingml/2006/main" xmlns:r="http://schemas.openxmlformats.org/officeDocument/2006/relationships" xmlns:p="http://schemas.openxmlformats.org/presentationml/2006/main">
+  <p:cSld>
+    <p:spTree>
+      <p:nvGrpSpPr>
+        <p:cNvPr id="1" name=""/>
+        <p:cNvGrpSpPr/>
+        <p:nvPr/>
+      </p:nvGrpSpPr>
+      <p:grpSpPr>
+        <a:xfrm>
+          <a:off x="0" y="0"/>
+          <a:ext cx="0" cy="0"/>
+          <a:chOff x="0" y="0"/>
+          <a:chExt cx="0" cy="0"/>
+        </a:xfrm>
+      </p:grpSpPr>
+      <p:sp>
+        <p:nvSpPr>
+          <p:cNvPr id="2" name="Title 1">
+            <a:extLst>
+              <a:ext uri="{FF2B5EF4-FFF2-40B4-BE49-F238E27FC236}">
+                <a16:creationId xmlns:a16="http://schemas.microsoft.com/office/drawing/2014/main" id="{922AFD90-40D0-AC49-8BA5-DE6CBC7D3F88}"/>
+              </a:ext>
+            </a:extLst>
+          </p:cNvPr>
+          <p:cNvSpPr>
+            <a:spLocks noGrp="1"/>
+          </p:cNvSpPr>
+          <p:nvPr>
+            <p:ph type="title"/>
+          </p:nvPr>
+        </p:nvSpPr>
+        <p:spPr/>
+        <p:txBody>
+          <a:bodyPr/>
+          <a:lstStyle/>
+          <a:p>
+            <a:r>
+              <a:rPr lang="en-US" dirty="0"/>
+              <a:t>Genic – </a:t>
+            </a:r>
+            <a:r>
+              <a:rPr lang="en-US" dirty="0" err="1"/>
+              <a:t>Exonic</a:t>
+            </a:r>
+            <a:r>
+              <a:rPr lang="en-US" dirty="0"/>
+              <a:t> – CDS </a:t>
+            </a:r>
+          </a:p>
+        </p:txBody>
+      </p:sp>
+      <p:sp>
+        <p:nvSpPr>
+          <p:cNvPr id="3" name="Text Placeholder 2">
+            <a:extLst>
+              <a:ext uri="{FF2B5EF4-FFF2-40B4-BE49-F238E27FC236}">
+                <a16:creationId xmlns:a16="http://schemas.microsoft.com/office/drawing/2014/main" id="{6B102E4E-28FF-AA42-8AD9-8BDE07CE381C}"/>
+              </a:ext>
+            </a:extLst>
+          </p:cNvPr>
+          <p:cNvSpPr>
+            <a:spLocks noGrp="1"/>
+          </p:cNvSpPr>
+          <p:nvPr>
+            <p:ph type="body" idx="1"/>
+          </p:nvPr>
+        </p:nvSpPr>
+        <p:spPr/>
+        <p:txBody>
+          <a:bodyPr/>
+          <a:lstStyle/>
+          <a:p>
+            <a:r>
+              <a:rPr lang="en-US" dirty="0"/>
+              <a:t>not normalized by input </a:t>
+            </a:r>
+          </a:p>
+        </p:txBody>
+      </p:sp>
+    </p:spTree>
+    <p:extLst>
+      <p:ext uri="{BB962C8B-B14F-4D97-AF65-F5344CB8AC3E}">
+        <p14:creationId xmlns:p14="http://schemas.microsoft.com/office/powerpoint/2010/main" val="637642411"/>
+      </p:ext>
+    </p:extLst>
+  </p:cSld>
+  <p:clrMapOvr>
+    <a:masterClrMapping/>
+  </p:clrMapOvr>
+</p:sld>
+</file>
+
+<file path=ppt/slides/slide33.xml><?xml version="1.0" encoding="utf-8"?>
+<p:sld xmlns:a="http://schemas.openxmlformats.org/drawingml/2006/main" xmlns:r="http://schemas.openxmlformats.org/officeDocument/2006/relationships" xmlns:p="http://schemas.openxmlformats.org/presentationml/2006/main">
+  <p:cSld>
+    <p:spTree>
+      <p:nvGrpSpPr>
+        <p:cNvPr id="1" name=""/>
+        <p:cNvGrpSpPr/>
+        <p:nvPr/>
+      </p:nvGrpSpPr>
+      <p:grpSpPr>
+        <a:xfrm>
+          <a:off x="0" y="0"/>
+          <a:ext cx="0" cy="0"/>
+          <a:chOff x="0" y="0"/>
+          <a:chExt cx="0" cy="0"/>
+        </a:xfrm>
+      </p:grpSpPr>
+      <p:pic>
+        <p:nvPicPr>
+          <p:cNvPr id="8" name="Picture 7">
+            <a:extLst>
+              <a:ext uri="{FF2B5EF4-FFF2-40B4-BE49-F238E27FC236}">
+                <a16:creationId xmlns:a16="http://schemas.microsoft.com/office/drawing/2014/main" id="{EEEA6538-A171-7141-9A36-96EBA56354AF}"/>
+              </a:ext>
+            </a:extLst>
+          </p:cNvPr>
+          <p:cNvPicPr>
+            <a:picLocks noChangeAspect="1"/>
+          </p:cNvPicPr>
+          <p:nvPr/>
+        </p:nvPicPr>
+        <p:blipFill>
+          <a:blip r:embed="rId2"/>
+          <a:stretch>
+            <a:fillRect/>
+          </a:stretch>
+        </p:blipFill>
+        <p:spPr>
+          <a:xfrm>
+            <a:off x="3397891" y="82335"/>
+            <a:ext cx="6362557" cy="6695481"/>
+          </a:xfrm>
+          <a:prstGeom prst="rect">
+            <a:avLst/>
+          </a:prstGeom>
+        </p:spPr>
+      </p:pic>
+    </p:spTree>
+    <p:extLst>
+      <p:ext uri="{BB962C8B-B14F-4D97-AF65-F5344CB8AC3E}">
+        <p14:creationId xmlns:p14="http://schemas.microsoft.com/office/powerpoint/2010/main" val="3496111512"/>
+      </p:ext>
+    </p:extLst>
+  </p:cSld>
+  <p:clrMapOvr>
+    <a:masterClrMapping/>
+  </p:clrMapOvr>
+</p:sld>
+</file>
+
+<file path=ppt/slides/slide34.xml><?xml version="1.0" encoding="utf-8"?>
+<p:sld xmlns:a="http://schemas.openxmlformats.org/drawingml/2006/main" xmlns:r="http://schemas.openxmlformats.org/officeDocument/2006/relationships" xmlns:p="http://schemas.openxmlformats.org/presentationml/2006/main">
+  <p:cSld>
+    <p:spTree>
+      <p:nvGrpSpPr>
+        <p:cNvPr id="1" name=""/>
+        <p:cNvGrpSpPr/>
+        <p:nvPr/>
+      </p:nvGrpSpPr>
+      <p:grpSpPr>
+        <a:xfrm>
+          <a:off x="0" y="0"/>
+          <a:ext cx="0" cy="0"/>
+          <a:chOff x="0" y="0"/>
+          <a:chExt cx="0" cy="0"/>
+        </a:xfrm>
+      </p:grpSpPr>
+      <p:pic>
+        <p:nvPicPr>
+          <p:cNvPr id="3" name="Picture 2">
+            <a:extLst>
+              <a:ext uri="{FF2B5EF4-FFF2-40B4-BE49-F238E27FC236}">
+                <a16:creationId xmlns:a16="http://schemas.microsoft.com/office/drawing/2014/main" id="{0646C68F-9DF5-AE44-A130-044CB5C161AC}"/>
+              </a:ext>
+            </a:extLst>
+          </p:cNvPr>
+          <p:cNvPicPr>
+            <a:picLocks noChangeAspect="1"/>
+          </p:cNvPicPr>
+          <p:nvPr/>
+        </p:nvPicPr>
+        <p:blipFill>
+          <a:blip r:embed="rId2"/>
+          <a:stretch>
+            <a:fillRect/>
+          </a:stretch>
+        </p:blipFill>
+        <p:spPr>
+          <a:xfrm>
+            <a:off x="2999482" y="143296"/>
+            <a:ext cx="6380824" cy="6714704"/>
+          </a:xfrm>
+          <a:prstGeom prst="rect">
+            <a:avLst/>
+          </a:prstGeom>
+        </p:spPr>
+      </p:pic>
+    </p:spTree>
+    <p:extLst>
+      <p:ext uri="{BB962C8B-B14F-4D97-AF65-F5344CB8AC3E}">
+        <p14:creationId xmlns:p14="http://schemas.microsoft.com/office/powerpoint/2010/main" val="4196340188"/>
+      </p:ext>
+    </p:extLst>
+  </p:cSld>
+  <p:clrMapOvr>
+    <a:masterClrMapping/>
+  </p:clrMapOvr>
+</p:sld>
+</file>
+
+<file path=ppt/slides/slide35.xml><?xml version="1.0" encoding="utf-8"?>
+<p:sld xmlns:a="http://schemas.openxmlformats.org/drawingml/2006/main" xmlns:r="http://schemas.openxmlformats.org/officeDocument/2006/relationships" xmlns:p="http://schemas.openxmlformats.org/presentationml/2006/main">
+  <p:cSld>
+    <p:spTree>
+      <p:nvGrpSpPr>
+        <p:cNvPr id="1" name=""/>
+        <p:cNvGrpSpPr/>
+        <p:nvPr/>
+      </p:nvGrpSpPr>
+      <p:grpSpPr>
+        <a:xfrm>
+          <a:off x="0" y="0"/>
+          <a:ext cx="0" cy="0"/>
+          <a:chOff x="0" y="0"/>
+          <a:chExt cx="0" cy="0"/>
+        </a:xfrm>
+      </p:grpSpPr>
+      <p:pic>
+        <p:nvPicPr>
+          <p:cNvPr id="6" name="Picture 5">
+            <a:extLst>
+              <a:ext uri="{FF2B5EF4-FFF2-40B4-BE49-F238E27FC236}">
+                <a16:creationId xmlns:a16="http://schemas.microsoft.com/office/drawing/2014/main" id="{F13B6E10-040F-394C-8AC0-203F0A0153A0}"/>
+              </a:ext>
+            </a:extLst>
+          </p:cNvPr>
+          <p:cNvPicPr>
+            <a:picLocks noChangeAspect="1"/>
+          </p:cNvPicPr>
+          <p:nvPr/>
+        </p:nvPicPr>
+        <p:blipFill>
+          <a:blip r:embed="rId2"/>
+          <a:stretch>
+            <a:fillRect/>
+          </a:stretch>
+        </p:blipFill>
+        <p:spPr>
+          <a:xfrm>
+            <a:off x="3048571" y="174802"/>
+            <a:ext cx="6170262" cy="6493125"/>
+          </a:xfrm>
+          <a:prstGeom prst="rect">
+            <a:avLst/>
+          </a:prstGeom>
+        </p:spPr>
+      </p:pic>
+    </p:spTree>
+    <p:extLst>
+      <p:ext uri="{BB962C8B-B14F-4D97-AF65-F5344CB8AC3E}">
+        <p14:creationId xmlns:p14="http://schemas.microsoft.com/office/powerpoint/2010/main" val="2672039413"/>
+      </p:ext>
+    </p:extLst>
+  </p:cSld>
+  <p:clrMapOvr>
+    <a:masterClrMapping/>
+  </p:clrMapOvr>
+</p:sld>
+</file>
+
+<file path=ppt/slides/slide36.xml><?xml version="1.0" encoding="utf-8"?>
+<p:sld xmlns:a="http://schemas.openxmlformats.org/drawingml/2006/main" xmlns:r="http://schemas.openxmlformats.org/officeDocument/2006/relationships" xmlns:p="http://schemas.openxmlformats.org/presentationml/2006/main">
+  <p:cSld>
+    <p:spTree>
+      <p:nvGrpSpPr>
+        <p:cNvPr id="1" name=""/>
+        <p:cNvGrpSpPr/>
+        <p:nvPr/>
+      </p:nvGrpSpPr>
+      <p:grpSpPr>
+        <a:xfrm>
+          <a:off x="0" y="0"/>
+          <a:ext cx="0" cy="0"/>
+          <a:chOff x="0" y="0"/>
+          <a:chExt cx="0" cy="0"/>
+        </a:xfrm>
+      </p:grpSpPr>
+      <p:pic>
+        <p:nvPicPr>
+          <p:cNvPr id="2" name="Picture 1">
+            <a:extLst>
+              <a:ext uri="{FF2B5EF4-FFF2-40B4-BE49-F238E27FC236}">
+                <a16:creationId xmlns:a16="http://schemas.microsoft.com/office/drawing/2014/main" id="{498AAD8B-3523-3B44-8FBD-512E5096FBCE}"/>
+              </a:ext>
+            </a:extLst>
+          </p:cNvPr>
+          <p:cNvPicPr>
+            <a:picLocks noChangeAspect="1"/>
+          </p:cNvPicPr>
+          <p:nvPr/>
+        </p:nvPicPr>
+        <p:blipFill>
+          <a:blip r:embed="rId2"/>
+          <a:stretch>
+            <a:fillRect/>
+          </a:stretch>
+        </p:blipFill>
+        <p:spPr>
+          <a:xfrm>
+            <a:off x="2976651" y="133706"/>
+            <a:ext cx="6259815" cy="6587363"/>
+          </a:xfrm>
+          <a:prstGeom prst="rect">
+            <a:avLst/>
+          </a:prstGeom>
+        </p:spPr>
+      </p:pic>
+    </p:spTree>
+    <p:extLst>
+      <p:ext uri="{BB962C8B-B14F-4D97-AF65-F5344CB8AC3E}">
+        <p14:creationId xmlns:p14="http://schemas.microsoft.com/office/powerpoint/2010/main" val="4149261513"/>
+      </p:ext>
+    </p:extLst>
+  </p:cSld>
+  <p:clrMapOvr>
+    <a:masterClrMapping/>
+  </p:clrMapOvr>
+</p:sld>
+</file>
+
+<file path=ppt/slides/slide37.xml><?xml version="1.0" encoding="utf-8"?>
+<p:sld xmlns:a="http://schemas.openxmlformats.org/drawingml/2006/main" xmlns:r="http://schemas.openxmlformats.org/officeDocument/2006/relationships" xmlns:p="http://schemas.openxmlformats.org/presentationml/2006/main">
+  <p:cSld>
+    <p:spTree>
+      <p:nvGrpSpPr>
+        <p:cNvPr id="1" name=""/>
+        <p:cNvGrpSpPr/>
+        <p:nvPr/>
+      </p:nvGrpSpPr>
+      <p:grpSpPr>
+        <a:xfrm>
+          <a:off x="0" y="0"/>
+          <a:ext cx="0" cy="0"/>
+          <a:chOff x="0" y="0"/>
+          <a:chExt cx="0" cy="0"/>
+        </a:xfrm>
+      </p:grpSpPr>
+      <p:pic>
+        <p:nvPicPr>
+          <p:cNvPr id="3" name="Picture 2">
+            <a:extLst>
+              <a:ext uri="{FF2B5EF4-FFF2-40B4-BE49-F238E27FC236}">
+                <a16:creationId xmlns:a16="http://schemas.microsoft.com/office/drawing/2014/main" id="{9E9ABE69-324C-C74C-A8E7-0CC4B2BFA3CE}"/>
+              </a:ext>
+            </a:extLst>
+          </p:cNvPr>
+          <p:cNvPicPr>
+            <a:picLocks noChangeAspect="1"/>
+          </p:cNvPicPr>
+          <p:nvPr/>
+        </p:nvPicPr>
+        <p:blipFill>
+          <a:blip r:embed="rId2"/>
+          <a:stretch>
+            <a:fillRect/>
+          </a:stretch>
+        </p:blipFill>
+        <p:spPr>
+          <a:xfrm>
+            <a:off x="3120490" y="195352"/>
+            <a:ext cx="6270090" cy="6598176"/>
+          </a:xfrm>
+          <a:prstGeom prst="rect">
+            <a:avLst/>
+          </a:prstGeom>
+        </p:spPr>
+      </p:pic>
+    </p:spTree>
+    <p:extLst>
+      <p:ext uri="{BB962C8B-B14F-4D97-AF65-F5344CB8AC3E}">
+        <p14:creationId xmlns:p14="http://schemas.microsoft.com/office/powerpoint/2010/main" val="3098937970"/>
+      </p:ext>
+    </p:extLst>
+  </p:cSld>
+  <p:clrMapOvr>
+    <a:masterClrMapping/>
+  </p:clrMapOvr>
+</p:sld>
+</file>
+
+<file path=ppt/slides/slide38.xml><?xml version="1.0" encoding="utf-8"?>
+<p:sld xmlns:a="http://schemas.openxmlformats.org/drawingml/2006/main" xmlns:r="http://schemas.openxmlformats.org/officeDocument/2006/relationships" xmlns:p="http://schemas.openxmlformats.org/presentationml/2006/main">
+  <p:cSld>
+    <p:spTree>
+      <p:nvGrpSpPr>
+        <p:cNvPr id="1" name=""/>
+        <p:cNvGrpSpPr/>
+        <p:nvPr/>
+      </p:nvGrpSpPr>
+      <p:grpSpPr>
+        <a:xfrm>
+          <a:off x="0" y="0"/>
+          <a:ext cx="0" cy="0"/>
+          <a:chOff x="0" y="0"/>
+          <a:chExt cx="0" cy="0"/>
+        </a:xfrm>
+      </p:grpSpPr>
+      <p:pic>
+        <p:nvPicPr>
+          <p:cNvPr id="6" name="Picture 5">
+            <a:extLst>
+              <a:ext uri="{FF2B5EF4-FFF2-40B4-BE49-F238E27FC236}">
+                <a16:creationId xmlns:a16="http://schemas.microsoft.com/office/drawing/2014/main" id="{94F31ED0-FB4F-B849-AF8D-49BA882885D8}"/>
+              </a:ext>
+            </a:extLst>
+          </p:cNvPr>
+          <p:cNvPicPr>
+            <a:picLocks noChangeAspect="1"/>
+          </p:cNvPicPr>
+          <p:nvPr/>
+        </p:nvPicPr>
+        <p:blipFill>
+          <a:blip r:embed="rId2"/>
+          <a:stretch>
+            <a:fillRect/>
+          </a:stretch>
+        </p:blipFill>
+        <p:spPr>
+          <a:xfrm>
+            <a:off x="2925279" y="108458"/>
+            <a:ext cx="6413929" cy="6749542"/>
+          </a:xfrm>
+          <a:prstGeom prst="rect">
+            <a:avLst/>
+          </a:prstGeom>
+        </p:spPr>
+      </p:pic>
+    </p:spTree>
+    <p:extLst>
+      <p:ext uri="{BB962C8B-B14F-4D97-AF65-F5344CB8AC3E}">
+        <p14:creationId xmlns:p14="http://schemas.microsoft.com/office/powerpoint/2010/main" val="775080666"/>
+      </p:ext>
+    </p:extLst>
+  </p:cSld>
+  <p:clrMapOvr>
+    <a:masterClrMapping/>
+  </p:clrMapOvr>
+</p:sld>
+</file>
+
+<file path=ppt/slides/slide39.xml><?xml version="1.0" encoding="utf-8"?>
+<p:sld xmlns:a="http://schemas.openxmlformats.org/drawingml/2006/main" xmlns:r="http://schemas.openxmlformats.org/officeDocument/2006/relationships" xmlns:p="http://schemas.openxmlformats.org/presentationml/2006/main">
+  <p:cSld>
+    <p:spTree>
+      <p:nvGrpSpPr>
+        <p:cNvPr id="1" name=""/>
+        <p:cNvGrpSpPr/>
+        <p:nvPr/>
+      </p:nvGrpSpPr>
+      <p:grpSpPr>
+        <a:xfrm>
+          <a:off x="0" y="0"/>
+          <a:ext cx="0" cy="0"/>
+          <a:chOff x="0" y="0"/>
+          <a:chExt cx="0" cy="0"/>
+        </a:xfrm>
+      </p:grpSpPr>
+      <p:pic>
+        <p:nvPicPr>
+          <p:cNvPr id="3" name="Picture 2">
+            <a:extLst>
+              <a:ext uri="{FF2B5EF4-FFF2-40B4-BE49-F238E27FC236}">
+                <a16:creationId xmlns:a16="http://schemas.microsoft.com/office/drawing/2014/main" id="{3ED737B0-ACF4-0044-A2F6-181EA9455A8B}"/>
+              </a:ext>
+            </a:extLst>
+          </p:cNvPr>
+          <p:cNvPicPr>
+            <a:picLocks noChangeAspect="1"/>
+          </p:cNvPicPr>
+          <p:nvPr/>
+        </p:nvPicPr>
+        <p:blipFill>
+          <a:blip r:embed="rId2"/>
+          <a:stretch>
+            <a:fillRect/>
+          </a:stretch>
+        </p:blipFill>
+        <p:spPr>
+          <a:xfrm>
+            <a:off x="3099941" y="185078"/>
+            <a:ext cx="6249541" cy="6576552"/>
+          </a:xfrm>
+          <a:prstGeom prst="rect">
+            <a:avLst/>
+          </a:prstGeom>
+        </p:spPr>
+      </p:pic>
+    </p:spTree>
+    <p:extLst>
+      <p:ext uri="{BB962C8B-B14F-4D97-AF65-F5344CB8AC3E}">
+        <p14:creationId xmlns:p14="http://schemas.microsoft.com/office/powerpoint/2010/main" val="1166476410"/>
+      </p:ext>
+    </p:extLst>
+  </p:cSld>
+  <p:clrMapOvr>
+    <a:masterClrMapping/>
+  </p:clrMapOvr>
+</p:sld>
+</file>
+
 <file path=ppt/slides/slide4.xml><?xml version="1.0" encoding="utf-8"?>
 <p:sld xmlns:a="http://schemas.openxmlformats.org/drawingml/2006/main" xmlns:r="http://schemas.openxmlformats.org/officeDocument/2006/relationships" xmlns:p="http://schemas.openxmlformats.org/presentationml/2006/main">
   <p:cSld>
@@ -5265,6 +6684,732 @@
     <p:extLst>
       <p:ext uri="{BB962C8B-B14F-4D97-AF65-F5344CB8AC3E}">
         <p14:creationId xmlns:p14="http://schemas.microsoft.com/office/powerpoint/2010/main" val="2173208642"/>
+      </p:ext>
+    </p:extLst>
+  </p:cSld>
+  <p:clrMapOvr>
+    <a:masterClrMapping/>
+  </p:clrMapOvr>
+</p:sld>
+</file>
+
+<file path=ppt/slides/slide40.xml><?xml version="1.0" encoding="utf-8"?>
+<p:sld xmlns:a="http://schemas.openxmlformats.org/drawingml/2006/main" xmlns:r="http://schemas.openxmlformats.org/officeDocument/2006/relationships" xmlns:p="http://schemas.openxmlformats.org/presentationml/2006/main">
+  <p:cSld>
+    <p:spTree>
+      <p:nvGrpSpPr>
+        <p:cNvPr id="1" name=""/>
+        <p:cNvGrpSpPr/>
+        <p:nvPr/>
+      </p:nvGrpSpPr>
+      <p:grpSpPr>
+        <a:xfrm>
+          <a:off x="0" y="0"/>
+          <a:ext cx="0" cy="0"/>
+          <a:chOff x="0" y="0"/>
+          <a:chExt cx="0" cy="0"/>
+        </a:xfrm>
+      </p:grpSpPr>
+      <p:pic>
+        <p:nvPicPr>
+          <p:cNvPr id="6" name="Picture 5">
+            <a:extLst>
+              <a:ext uri="{FF2B5EF4-FFF2-40B4-BE49-F238E27FC236}">
+                <a16:creationId xmlns:a16="http://schemas.microsoft.com/office/drawing/2014/main" id="{32FA12EA-21DC-634D-872D-D9B7FCD61EE1}"/>
+              </a:ext>
+            </a:extLst>
+          </p:cNvPr>
+          <p:cNvPicPr>
+            <a:picLocks noChangeAspect="1"/>
+          </p:cNvPicPr>
+          <p:nvPr/>
+        </p:nvPicPr>
+        <p:blipFill>
+          <a:blip r:embed="rId2"/>
+          <a:stretch>
+            <a:fillRect/>
+          </a:stretch>
+        </p:blipFill>
+        <p:spPr>
+          <a:xfrm>
+            <a:off x="3028022" y="92608"/>
+            <a:ext cx="6267896" cy="6595867"/>
+          </a:xfrm>
+          <a:prstGeom prst="rect">
+            <a:avLst/>
+          </a:prstGeom>
+        </p:spPr>
+      </p:pic>
+    </p:spTree>
+    <p:extLst>
+      <p:ext uri="{BB962C8B-B14F-4D97-AF65-F5344CB8AC3E}">
+        <p14:creationId xmlns:p14="http://schemas.microsoft.com/office/powerpoint/2010/main" val="2290374735"/>
+      </p:ext>
+    </p:extLst>
+  </p:cSld>
+  <p:clrMapOvr>
+    <a:masterClrMapping/>
+  </p:clrMapOvr>
+</p:sld>
+</file>
+
+<file path=ppt/slides/slide41.xml><?xml version="1.0" encoding="utf-8"?>
+<p:sld xmlns:a="http://schemas.openxmlformats.org/drawingml/2006/main" xmlns:r="http://schemas.openxmlformats.org/officeDocument/2006/relationships" xmlns:p="http://schemas.openxmlformats.org/presentationml/2006/main">
+  <p:cSld>
+    <p:spTree>
+      <p:nvGrpSpPr>
+        <p:cNvPr id="1" name=""/>
+        <p:cNvGrpSpPr/>
+        <p:nvPr/>
+      </p:nvGrpSpPr>
+      <p:grpSpPr>
+        <a:xfrm>
+          <a:off x="0" y="0"/>
+          <a:ext cx="0" cy="0"/>
+          <a:chOff x="0" y="0"/>
+          <a:chExt cx="0" cy="0"/>
+        </a:xfrm>
+      </p:grpSpPr>
+      <p:pic>
+        <p:nvPicPr>
+          <p:cNvPr id="8" name="Picture 7">
+            <a:extLst>
+              <a:ext uri="{FF2B5EF4-FFF2-40B4-BE49-F238E27FC236}">
+                <a16:creationId xmlns:a16="http://schemas.microsoft.com/office/drawing/2014/main" id="{F11652A7-22E9-A040-B19A-355B1AD2163F}"/>
+              </a:ext>
+            </a:extLst>
+          </p:cNvPr>
+          <p:cNvPicPr>
+            <a:picLocks noChangeAspect="1"/>
+          </p:cNvPicPr>
+          <p:nvPr/>
+        </p:nvPicPr>
+        <p:blipFill>
+          <a:blip r:embed="rId2"/>
+          <a:stretch>
+            <a:fillRect/>
+          </a:stretch>
+        </p:blipFill>
+        <p:spPr>
+          <a:xfrm>
+            <a:off x="3151313" y="133707"/>
+            <a:ext cx="6280364" cy="6608988"/>
+          </a:xfrm>
+          <a:prstGeom prst="rect">
+            <a:avLst/>
+          </a:prstGeom>
+        </p:spPr>
+      </p:pic>
+    </p:spTree>
+    <p:extLst>
+      <p:ext uri="{BB962C8B-B14F-4D97-AF65-F5344CB8AC3E}">
+        <p14:creationId xmlns:p14="http://schemas.microsoft.com/office/powerpoint/2010/main" val="387359707"/>
+      </p:ext>
+    </p:extLst>
+  </p:cSld>
+  <p:clrMapOvr>
+    <a:masterClrMapping/>
+  </p:clrMapOvr>
+</p:sld>
+</file>
+
+<file path=ppt/slides/slide42.xml><?xml version="1.0" encoding="utf-8"?>
+<p:sld xmlns:a="http://schemas.openxmlformats.org/drawingml/2006/main" xmlns:r="http://schemas.openxmlformats.org/officeDocument/2006/relationships" xmlns:p="http://schemas.openxmlformats.org/presentationml/2006/main">
+  <p:cSld>
+    <p:spTree>
+      <p:nvGrpSpPr>
+        <p:cNvPr id="1" name=""/>
+        <p:cNvGrpSpPr/>
+        <p:nvPr/>
+      </p:nvGrpSpPr>
+      <p:grpSpPr>
+        <a:xfrm>
+          <a:off x="0" y="0"/>
+          <a:ext cx="0" cy="0"/>
+          <a:chOff x="0" y="0"/>
+          <a:chExt cx="0" cy="0"/>
+        </a:xfrm>
+      </p:grpSpPr>
+      <p:pic>
+        <p:nvPicPr>
+          <p:cNvPr id="6" name="Picture 5">
+            <a:extLst>
+              <a:ext uri="{FF2B5EF4-FFF2-40B4-BE49-F238E27FC236}">
+                <a16:creationId xmlns:a16="http://schemas.microsoft.com/office/drawing/2014/main" id="{2B71A269-1A3F-AE41-90D1-5BA60903B4C2}"/>
+              </a:ext>
+            </a:extLst>
+          </p:cNvPr>
+          <p:cNvPicPr>
+            <a:picLocks noChangeAspect="1"/>
+          </p:cNvPicPr>
+          <p:nvPr/>
+        </p:nvPicPr>
+        <p:blipFill>
+          <a:blip r:embed="rId2"/>
+          <a:stretch>
+            <a:fillRect/>
+          </a:stretch>
+        </p:blipFill>
+        <p:spPr>
+          <a:xfrm>
+            <a:off x="3120488" y="133707"/>
+            <a:ext cx="6270091" cy="6598177"/>
+          </a:xfrm>
+          <a:prstGeom prst="rect">
+            <a:avLst/>
+          </a:prstGeom>
+        </p:spPr>
+      </p:pic>
+    </p:spTree>
+    <p:extLst>
+      <p:ext uri="{BB962C8B-B14F-4D97-AF65-F5344CB8AC3E}">
+        <p14:creationId xmlns:p14="http://schemas.microsoft.com/office/powerpoint/2010/main" val="3578945584"/>
+      </p:ext>
+    </p:extLst>
+  </p:cSld>
+  <p:clrMapOvr>
+    <a:masterClrMapping/>
+  </p:clrMapOvr>
+</p:sld>
+</file>
+
+<file path=ppt/slides/slide43.xml><?xml version="1.0" encoding="utf-8"?>
+<p:sld xmlns:a="http://schemas.openxmlformats.org/drawingml/2006/main" xmlns:r="http://schemas.openxmlformats.org/officeDocument/2006/relationships" xmlns:p="http://schemas.openxmlformats.org/presentationml/2006/main">
+  <p:cSld>
+    <p:spTree>
+      <p:nvGrpSpPr>
+        <p:cNvPr id="1" name=""/>
+        <p:cNvGrpSpPr/>
+        <p:nvPr/>
+      </p:nvGrpSpPr>
+      <p:grpSpPr>
+        <a:xfrm>
+          <a:off x="0" y="0"/>
+          <a:ext cx="0" cy="0"/>
+          <a:chOff x="0" y="0"/>
+          <a:chExt cx="0" cy="0"/>
+        </a:xfrm>
+      </p:grpSpPr>
+      <p:pic>
+        <p:nvPicPr>
+          <p:cNvPr id="2" name="Picture 1">
+            <a:extLst>
+              <a:ext uri="{FF2B5EF4-FFF2-40B4-BE49-F238E27FC236}">
+                <a16:creationId xmlns:a16="http://schemas.microsoft.com/office/drawing/2014/main" id="{068CF610-C65C-CD42-B2E7-28BBF56FCC6A}"/>
+              </a:ext>
+            </a:extLst>
+          </p:cNvPr>
+          <p:cNvPicPr>
+            <a:picLocks noChangeAspect="1"/>
+          </p:cNvPicPr>
+          <p:nvPr/>
+        </p:nvPicPr>
+        <p:blipFill>
+          <a:blip r:embed="rId2"/>
+          <a:stretch>
+            <a:fillRect/>
+          </a:stretch>
+        </p:blipFill>
+        <p:spPr>
+          <a:xfrm>
+            <a:off x="3141038" y="173329"/>
+            <a:ext cx="6352284" cy="6684671"/>
+          </a:xfrm>
+          <a:prstGeom prst="rect">
+            <a:avLst/>
+          </a:prstGeom>
+        </p:spPr>
+      </p:pic>
+    </p:spTree>
+    <p:extLst>
+      <p:ext uri="{BB962C8B-B14F-4D97-AF65-F5344CB8AC3E}">
+        <p14:creationId xmlns:p14="http://schemas.microsoft.com/office/powerpoint/2010/main" val="146343403"/>
+      </p:ext>
+    </p:extLst>
+  </p:cSld>
+  <p:clrMapOvr>
+    <a:masterClrMapping/>
+  </p:clrMapOvr>
+</p:sld>
+</file>
+
+<file path=ppt/slides/slide44.xml><?xml version="1.0" encoding="utf-8"?>
+<p:sld xmlns:a="http://schemas.openxmlformats.org/drawingml/2006/main" xmlns:r="http://schemas.openxmlformats.org/officeDocument/2006/relationships" xmlns:p="http://schemas.openxmlformats.org/presentationml/2006/main">
+  <p:cSld>
+    <p:spTree>
+      <p:nvGrpSpPr>
+        <p:cNvPr id="1" name=""/>
+        <p:cNvGrpSpPr/>
+        <p:nvPr/>
+      </p:nvGrpSpPr>
+      <p:grpSpPr>
+        <a:xfrm>
+          <a:off x="0" y="0"/>
+          <a:ext cx="0" cy="0"/>
+          <a:chOff x="0" y="0"/>
+          <a:chExt cx="0" cy="0"/>
+        </a:xfrm>
+      </p:grpSpPr>
+      <p:sp>
+        <p:nvSpPr>
+          <p:cNvPr id="2" name="Title 1">
+            <a:extLst>
+              <a:ext uri="{FF2B5EF4-FFF2-40B4-BE49-F238E27FC236}">
+                <a16:creationId xmlns:a16="http://schemas.microsoft.com/office/drawing/2014/main" id="{6C3108E5-BD1A-E34A-A4F3-C2967090BCF9}"/>
+              </a:ext>
+            </a:extLst>
+          </p:cNvPr>
+          <p:cNvSpPr>
+            <a:spLocks noGrp="1"/>
+          </p:cNvSpPr>
+          <p:nvPr>
+            <p:ph type="title"/>
+          </p:nvPr>
+        </p:nvSpPr>
+        <p:spPr/>
+        <p:txBody>
+          <a:bodyPr/>
+          <a:lstStyle/>
+          <a:p>
+            <a:r>
+              <a:rPr lang="en-US" dirty="0"/>
+              <a:t>Percentages of Cellular Reads</a:t>
+            </a:r>
+          </a:p>
+        </p:txBody>
+      </p:sp>
+      <p:sp>
+        <p:nvSpPr>
+          <p:cNvPr id="3" name="Text Placeholder 2">
+            <a:extLst>
+              <a:ext uri="{FF2B5EF4-FFF2-40B4-BE49-F238E27FC236}">
+                <a16:creationId xmlns:a16="http://schemas.microsoft.com/office/drawing/2014/main" id="{0D358639-5902-9442-82B0-FFC1924B162D}"/>
+              </a:ext>
+            </a:extLst>
+          </p:cNvPr>
+          <p:cNvSpPr>
+            <a:spLocks noGrp="1"/>
+          </p:cNvSpPr>
+          <p:nvPr>
+            <p:ph type="body" idx="1"/>
+          </p:nvPr>
+        </p:nvSpPr>
+        <p:spPr/>
+        <p:txBody>
+          <a:bodyPr/>
+          <a:lstStyle/>
+          <a:p>
+            <a:r>
+              <a:rPr lang="en-US" dirty="0"/>
+              <a:t>Normalized against corresponding input values</a:t>
+            </a:r>
+          </a:p>
+        </p:txBody>
+      </p:sp>
+    </p:spTree>
+    <p:extLst>
+      <p:ext uri="{BB962C8B-B14F-4D97-AF65-F5344CB8AC3E}">
+        <p14:creationId xmlns:p14="http://schemas.microsoft.com/office/powerpoint/2010/main" val="381152646"/>
+      </p:ext>
+    </p:extLst>
+  </p:cSld>
+  <p:clrMapOvr>
+    <a:masterClrMapping/>
+  </p:clrMapOvr>
+</p:sld>
+</file>
+
+<file path=ppt/slides/slide45.xml><?xml version="1.0" encoding="utf-8"?>
+<p:sld xmlns:a="http://schemas.openxmlformats.org/drawingml/2006/main" xmlns:r="http://schemas.openxmlformats.org/officeDocument/2006/relationships" xmlns:p="http://schemas.openxmlformats.org/presentationml/2006/main">
+  <p:cSld>
+    <p:spTree>
+      <p:nvGrpSpPr>
+        <p:cNvPr id="1" name=""/>
+        <p:cNvGrpSpPr/>
+        <p:nvPr/>
+      </p:nvGrpSpPr>
+      <p:grpSpPr>
+        <a:xfrm>
+          <a:off x="0" y="0"/>
+          <a:ext cx="0" cy="0"/>
+          <a:chOff x="0" y="0"/>
+          <a:chExt cx="0" cy="0"/>
+        </a:xfrm>
+      </p:grpSpPr>
+      <p:pic>
+        <p:nvPicPr>
+          <p:cNvPr id="2" name="Picture 1">
+            <a:extLst>
+              <a:ext uri="{FF2B5EF4-FFF2-40B4-BE49-F238E27FC236}">
+                <a16:creationId xmlns:a16="http://schemas.microsoft.com/office/drawing/2014/main" id="{D4C9389F-CB0F-114B-BFB0-1DFF4C22F431}"/>
+              </a:ext>
+            </a:extLst>
+          </p:cNvPr>
+          <p:cNvPicPr>
+            <a:picLocks noChangeAspect="1"/>
+          </p:cNvPicPr>
+          <p:nvPr/>
+        </p:nvPicPr>
+        <p:blipFill>
+          <a:blip r:embed="rId2"/>
+          <a:stretch>
+            <a:fillRect/>
+          </a:stretch>
+        </p:blipFill>
+        <p:spPr>
+          <a:xfrm>
+            <a:off x="3212956" y="236447"/>
+            <a:ext cx="6105703" cy="6425187"/>
+          </a:xfrm>
+          <a:prstGeom prst="rect">
+            <a:avLst/>
+          </a:prstGeom>
+        </p:spPr>
+      </p:pic>
+    </p:spTree>
+    <p:extLst>
+      <p:ext uri="{BB962C8B-B14F-4D97-AF65-F5344CB8AC3E}">
+        <p14:creationId xmlns:p14="http://schemas.microsoft.com/office/powerpoint/2010/main" val="1589381944"/>
+      </p:ext>
+    </p:extLst>
+  </p:cSld>
+  <p:clrMapOvr>
+    <a:masterClrMapping/>
+  </p:clrMapOvr>
+</p:sld>
+</file>
+
+<file path=ppt/slides/slide46.xml><?xml version="1.0" encoding="utf-8"?>
+<p:sld xmlns:a="http://schemas.openxmlformats.org/drawingml/2006/main" xmlns:r="http://schemas.openxmlformats.org/officeDocument/2006/relationships" xmlns:p="http://schemas.openxmlformats.org/presentationml/2006/main">
+  <p:cSld>
+    <p:bg>
+      <p:bgPr>
+        <a:solidFill>
+          <a:schemeClr val="bg1">
+            <a:lumMod val="85000"/>
+          </a:schemeClr>
+        </a:solidFill>
+        <a:effectLst/>
+      </p:bgPr>
+    </p:bg>
+    <p:spTree>
+      <p:nvGrpSpPr>
+        <p:cNvPr id="1" name=""/>
+        <p:cNvGrpSpPr/>
+        <p:nvPr/>
+      </p:nvGrpSpPr>
+      <p:grpSpPr>
+        <a:xfrm>
+          <a:off x="0" y="0"/>
+          <a:ext cx="0" cy="0"/>
+          <a:chOff x="0" y="0"/>
+          <a:chExt cx="0" cy="0"/>
+        </a:xfrm>
+      </p:grpSpPr>
+      <p:pic>
+        <p:nvPicPr>
+          <p:cNvPr id="4" name="Picture 3">
+            <a:extLst>
+              <a:ext uri="{FF2B5EF4-FFF2-40B4-BE49-F238E27FC236}">
+                <a16:creationId xmlns:a16="http://schemas.microsoft.com/office/drawing/2014/main" id="{B64086F2-E274-2A40-82E0-D24A28E5106D}"/>
+              </a:ext>
+            </a:extLst>
+          </p:cNvPr>
+          <p:cNvPicPr>
+            <a:picLocks noChangeAspect="1"/>
+          </p:cNvPicPr>
+          <p:nvPr/>
+        </p:nvPicPr>
+        <p:blipFill>
+          <a:blip r:embed="rId2"/>
+          <a:stretch>
+            <a:fillRect/>
+          </a:stretch>
+        </p:blipFill>
+        <p:spPr>
+          <a:xfrm>
+            <a:off x="2736919" y="102884"/>
+            <a:ext cx="6427629" cy="6763959"/>
+          </a:xfrm>
+          <a:prstGeom prst="rect">
+            <a:avLst/>
+          </a:prstGeom>
+        </p:spPr>
+      </p:pic>
+    </p:spTree>
+    <p:extLst>
+      <p:ext uri="{BB962C8B-B14F-4D97-AF65-F5344CB8AC3E}">
+        <p14:creationId xmlns:p14="http://schemas.microsoft.com/office/powerpoint/2010/main" val="1347760543"/>
+      </p:ext>
+    </p:extLst>
+  </p:cSld>
+  <p:clrMapOvr>
+    <a:masterClrMapping/>
+  </p:clrMapOvr>
+</p:sld>
+</file>
+
+<file path=ppt/slides/slide47.xml><?xml version="1.0" encoding="utf-8"?>
+<p:sld xmlns:a="http://schemas.openxmlformats.org/drawingml/2006/main" xmlns:r="http://schemas.openxmlformats.org/officeDocument/2006/relationships" xmlns:p="http://schemas.openxmlformats.org/presentationml/2006/main">
+  <p:cSld>
+    <p:spTree>
+      <p:nvGrpSpPr>
+        <p:cNvPr id="1" name=""/>
+        <p:cNvGrpSpPr/>
+        <p:nvPr/>
+      </p:nvGrpSpPr>
+      <p:grpSpPr>
+        <a:xfrm>
+          <a:off x="0" y="0"/>
+          <a:ext cx="0" cy="0"/>
+          <a:chOff x="0" y="0"/>
+          <a:chExt cx="0" cy="0"/>
+        </a:xfrm>
+      </p:grpSpPr>
+      <p:pic>
+        <p:nvPicPr>
+          <p:cNvPr id="31" name="Picture 30">
+            <a:extLst>
+              <a:ext uri="{FF2B5EF4-FFF2-40B4-BE49-F238E27FC236}">
+                <a16:creationId xmlns:a16="http://schemas.microsoft.com/office/drawing/2014/main" id="{7EEE14CF-6C5D-A14E-9D14-6520D1430D18}"/>
+              </a:ext>
+            </a:extLst>
+          </p:cNvPr>
+          <p:cNvPicPr>
+            <a:picLocks noChangeAspect="1"/>
+          </p:cNvPicPr>
+          <p:nvPr/>
+        </p:nvPicPr>
+        <p:blipFill>
+          <a:blip r:embed="rId2"/>
+          <a:stretch>
+            <a:fillRect/>
+          </a:stretch>
+        </p:blipFill>
+        <p:spPr>
+          <a:xfrm>
+            <a:off x="6326027" y="575496"/>
+            <a:ext cx="5291566" cy="5568450"/>
+          </a:xfrm>
+          <a:prstGeom prst="rect">
+            <a:avLst/>
+          </a:prstGeom>
+        </p:spPr>
+      </p:pic>
+      <p:pic>
+        <p:nvPicPr>
+          <p:cNvPr id="33" name="Picture 32">
+            <a:extLst>
+              <a:ext uri="{FF2B5EF4-FFF2-40B4-BE49-F238E27FC236}">
+                <a16:creationId xmlns:a16="http://schemas.microsoft.com/office/drawing/2014/main" id="{9059D825-A1E6-5B42-997E-6FDFBA84D80A}"/>
+              </a:ext>
+            </a:extLst>
+          </p:cNvPr>
+          <p:cNvPicPr>
+            <a:picLocks noChangeAspect="1"/>
+          </p:cNvPicPr>
+          <p:nvPr/>
+        </p:nvPicPr>
+        <p:blipFill>
+          <a:blip r:embed="rId3"/>
+          <a:stretch>
+            <a:fillRect/>
+          </a:stretch>
+        </p:blipFill>
+        <p:spPr>
+          <a:xfrm>
+            <a:off x="480032" y="575496"/>
+            <a:ext cx="5291566" cy="5568450"/>
+          </a:xfrm>
+          <a:prstGeom prst="rect">
+            <a:avLst/>
+          </a:prstGeom>
+        </p:spPr>
+      </p:pic>
+    </p:spTree>
+    <p:extLst>
+      <p:ext uri="{BB962C8B-B14F-4D97-AF65-F5344CB8AC3E}">
+        <p14:creationId xmlns:p14="http://schemas.microsoft.com/office/powerpoint/2010/main" val="1516759065"/>
+      </p:ext>
+    </p:extLst>
+  </p:cSld>
+  <p:clrMapOvr>
+    <a:masterClrMapping/>
+  </p:clrMapOvr>
+</p:sld>
+</file>
+
+<file path=ppt/slides/slide48.xml><?xml version="1.0" encoding="utf-8"?>
+<p:sld xmlns:a="http://schemas.openxmlformats.org/drawingml/2006/main" xmlns:r="http://schemas.openxmlformats.org/officeDocument/2006/relationships" xmlns:p="http://schemas.openxmlformats.org/presentationml/2006/main">
+  <p:cSld>
+    <p:spTree>
+      <p:nvGrpSpPr>
+        <p:cNvPr id="1" name=""/>
+        <p:cNvGrpSpPr/>
+        <p:nvPr/>
+      </p:nvGrpSpPr>
+      <p:grpSpPr>
+        <a:xfrm>
+          <a:off x="0" y="0"/>
+          <a:ext cx="0" cy="0"/>
+          <a:chOff x="0" y="0"/>
+          <a:chExt cx="0" cy="0"/>
+        </a:xfrm>
+      </p:grpSpPr>
+      <p:pic>
+        <p:nvPicPr>
+          <p:cNvPr id="4" name="Picture 3">
+            <a:extLst>
+              <a:ext uri="{FF2B5EF4-FFF2-40B4-BE49-F238E27FC236}">
+                <a16:creationId xmlns:a16="http://schemas.microsoft.com/office/drawing/2014/main" id="{B318004D-FA6F-3145-84DA-B5BBBEED2AAA}"/>
+              </a:ext>
+            </a:extLst>
+          </p:cNvPr>
+          <p:cNvPicPr>
+            <a:picLocks noChangeAspect="1"/>
+          </p:cNvPicPr>
+          <p:nvPr/>
+        </p:nvPicPr>
+        <p:blipFill>
+          <a:blip r:embed="rId2"/>
+          <a:stretch>
+            <a:fillRect/>
+          </a:stretch>
+        </p:blipFill>
+        <p:spPr>
+          <a:xfrm>
+            <a:off x="747159" y="616592"/>
+            <a:ext cx="5262276" cy="5537628"/>
+          </a:xfrm>
+          <a:prstGeom prst="rect">
+            <a:avLst/>
+          </a:prstGeom>
+        </p:spPr>
+      </p:pic>
+      <p:pic>
+        <p:nvPicPr>
+          <p:cNvPr id="5" name="Picture 4">
+            <a:extLst>
+              <a:ext uri="{FF2B5EF4-FFF2-40B4-BE49-F238E27FC236}">
+                <a16:creationId xmlns:a16="http://schemas.microsoft.com/office/drawing/2014/main" id="{94F9BC23-6794-7346-B8C4-CF81D9DB7AAE}"/>
+              </a:ext>
+            </a:extLst>
+          </p:cNvPr>
+          <p:cNvPicPr>
+            <a:picLocks noChangeAspect="1"/>
+          </p:cNvPicPr>
+          <p:nvPr/>
+        </p:nvPicPr>
+        <p:blipFill>
+          <a:blip r:embed="rId3"/>
+          <a:stretch>
+            <a:fillRect/>
+          </a:stretch>
+        </p:blipFill>
+        <p:spPr>
+          <a:xfrm>
+            <a:off x="6221573" y="616592"/>
+            <a:ext cx="5262276" cy="5537628"/>
+          </a:xfrm>
+          <a:prstGeom prst="rect">
+            <a:avLst/>
+          </a:prstGeom>
+        </p:spPr>
+      </p:pic>
+    </p:spTree>
+    <p:extLst>
+      <p:ext uri="{BB962C8B-B14F-4D97-AF65-F5344CB8AC3E}">
+        <p14:creationId xmlns:p14="http://schemas.microsoft.com/office/powerpoint/2010/main" val="690066943"/>
+      </p:ext>
+    </p:extLst>
+  </p:cSld>
+  <p:clrMapOvr>
+    <a:masterClrMapping/>
+  </p:clrMapOvr>
+</p:sld>
+</file>
+
+<file path=ppt/slides/slide49.xml><?xml version="1.0" encoding="utf-8"?>
+<p:sld xmlns:a="http://schemas.openxmlformats.org/drawingml/2006/main" xmlns:r="http://schemas.openxmlformats.org/officeDocument/2006/relationships" xmlns:p="http://schemas.openxmlformats.org/presentationml/2006/main">
+  <p:cSld>
+    <p:spTree>
+      <p:nvGrpSpPr>
+        <p:cNvPr id="1" name=""/>
+        <p:cNvGrpSpPr/>
+        <p:nvPr/>
+      </p:nvGrpSpPr>
+      <p:grpSpPr>
+        <a:xfrm>
+          <a:off x="0" y="0"/>
+          <a:ext cx="0" cy="0"/>
+          <a:chOff x="0" y="0"/>
+          <a:chExt cx="0" cy="0"/>
+        </a:xfrm>
+      </p:grpSpPr>
+      <p:pic>
+        <p:nvPicPr>
+          <p:cNvPr id="4" name="Picture 3">
+            <a:extLst>
+              <a:ext uri="{FF2B5EF4-FFF2-40B4-BE49-F238E27FC236}">
+                <a16:creationId xmlns:a16="http://schemas.microsoft.com/office/drawing/2014/main" id="{3163BABB-77D8-C649-A0A6-9DFDF1E284AC}"/>
+              </a:ext>
+            </a:extLst>
+          </p:cNvPr>
+          <p:cNvPicPr>
+            <a:picLocks noChangeAspect="1"/>
+          </p:cNvPicPr>
+          <p:nvPr/>
+        </p:nvPicPr>
+        <p:blipFill>
+          <a:blip r:embed="rId2"/>
+          <a:stretch>
+            <a:fillRect/>
+          </a:stretch>
+        </p:blipFill>
+        <p:spPr>
+          <a:xfrm>
+            <a:off x="839626" y="544673"/>
+            <a:ext cx="5281803" cy="5558176"/>
+          </a:xfrm>
+          <a:prstGeom prst="rect">
+            <a:avLst/>
+          </a:prstGeom>
+        </p:spPr>
+      </p:pic>
+      <p:pic>
+        <p:nvPicPr>
+          <p:cNvPr id="5" name="Picture 4">
+            <a:extLst>
+              <a:ext uri="{FF2B5EF4-FFF2-40B4-BE49-F238E27FC236}">
+                <a16:creationId xmlns:a16="http://schemas.microsoft.com/office/drawing/2014/main" id="{DC6B874C-77B0-B047-A5BF-90A81345B893}"/>
+              </a:ext>
+            </a:extLst>
+          </p:cNvPr>
+          <p:cNvPicPr>
+            <a:picLocks noChangeAspect="1"/>
+          </p:cNvPicPr>
+          <p:nvPr/>
+        </p:nvPicPr>
+        <p:blipFill>
+          <a:blip r:embed="rId3"/>
+          <a:stretch>
+            <a:fillRect/>
+          </a:stretch>
+        </p:blipFill>
+        <p:spPr>
+          <a:xfrm>
+            <a:off x="6252394" y="544673"/>
+            <a:ext cx="5281803" cy="5558176"/>
+          </a:xfrm>
+          <a:prstGeom prst="rect">
+            <a:avLst/>
+          </a:prstGeom>
+        </p:spPr>
+      </p:pic>
+    </p:spTree>
+    <p:extLst>
+      <p:ext uri="{BB962C8B-B14F-4D97-AF65-F5344CB8AC3E}">
+        <p14:creationId xmlns:p14="http://schemas.microsoft.com/office/powerpoint/2010/main" val="1539017617"/>
       </p:ext>
     </p:extLst>
   </p:cSld>
@@ -5325,6 +7470,96 @@
     <p:extLst>
       <p:ext uri="{BB962C8B-B14F-4D97-AF65-F5344CB8AC3E}">
         <p14:creationId xmlns:p14="http://schemas.microsoft.com/office/powerpoint/2010/main" val="3059423678"/>
+      </p:ext>
+    </p:extLst>
+  </p:cSld>
+  <p:clrMapOvr>
+    <a:masterClrMapping/>
+  </p:clrMapOvr>
+</p:sld>
+</file>
+
+<file path=ppt/slides/slide50.xml><?xml version="1.0" encoding="utf-8"?>
+<p:sld xmlns:a="http://schemas.openxmlformats.org/drawingml/2006/main" xmlns:r="http://schemas.openxmlformats.org/officeDocument/2006/relationships" xmlns:p="http://schemas.openxmlformats.org/presentationml/2006/main">
+  <p:cSld>
+    <p:spTree>
+      <p:nvGrpSpPr>
+        <p:cNvPr id="1" name=""/>
+        <p:cNvGrpSpPr/>
+        <p:nvPr/>
+      </p:nvGrpSpPr>
+      <p:grpSpPr>
+        <a:xfrm>
+          <a:off x="0" y="0"/>
+          <a:ext cx="0" cy="0"/>
+          <a:chOff x="0" y="0"/>
+          <a:chExt cx="0" cy="0"/>
+        </a:xfrm>
+      </p:grpSpPr>
+      <p:pic>
+        <p:nvPicPr>
+          <p:cNvPr id="4" name="Picture 3">
+            <a:extLst>
+              <a:ext uri="{FF2B5EF4-FFF2-40B4-BE49-F238E27FC236}">
+                <a16:creationId xmlns:a16="http://schemas.microsoft.com/office/drawing/2014/main" id="{A329E1A2-2D0A-D945-9399-1BAC8AD0C217}"/>
+              </a:ext>
+            </a:extLst>
+          </p:cNvPr>
+          <p:cNvPicPr>
+            <a:picLocks noChangeAspect="1"/>
+          </p:cNvPicPr>
+          <p:nvPr/>
+        </p:nvPicPr>
+        <p:blipFill>
+          <a:blip r:embed="rId2"/>
+          <a:stretch>
+            <a:fillRect/>
+          </a:stretch>
+        </p:blipFill>
+        <p:spPr>
+          <a:xfrm>
+            <a:off x="664965" y="594330"/>
+            <a:ext cx="5254141" cy="5529067"/>
+          </a:xfrm>
+          <a:prstGeom prst="rect">
+            <a:avLst/>
+          </a:prstGeom>
+        </p:spPr>
+      </p:pic>
+      <p:pic>
+        <p:nvPicPr>
+          <p:cNvPr id="5" name="Picture 4">
+            <a:extLst>
+              <a:ext uri="{FF2B5EF4-FFF2-40B4-BE49-F238E27FC236}">
+                <a16:creationId xmlns:a16="http://schemas.microsoft.com/office/drawing/2014/main" id="{D43C771B-C276-0E4C-A9C5-444D6EFA01C1}"/>
+              </a:ext>
+            </a:extLst>
+          </p:cNvPr>
+          <p:cNvPicPr>
+            <a:picLocks noChangeAspect="1"/>
+          </p:cNvPicPr>
+          <p:nvPr/>
+        </p:nvPicPr>
+        <p:blipFill>
+          <a:blip r:embed="rId3"/>
+          <a:stretch>
+            <a:fillRect/>
+          </a:stretch>
+        </p:blipFill>
+        <p:spPr>
+          <a:xfrm>
+            <a:off x="6139379" y="594329"/>
+            <a:ext cx="5254141" cy="5529067"/>
+          </a:xfrm>
+          <a:prstGeom prst="rect">
+            <a:avLst/>
+          </a:prstGeom>
+        </p:spPr>
+      </p:pic>
+    </p:spTree>
+    <p:extLst>
+      <p:ext uri="{BB962C8B-B14F-4D97-AF65-F5344CB8AC3E}">
+        <p14:creationId xmlns:p14="http://schemas.microsoft.com/office/powerpoint/2010/main" val="883177381"/>
       </p:ext>
     </p:extLst>
   </p:cSld>
